--- a/images/theory_analysis/istio_Architecture/istio_Architecture.pptx
+++ b/images/theory_analysis/istio_Architecture/istio_Architecture.pptx
@@ -256,7 +256,7 @@
           <a:p>
             <a:fld id="{6CD5550B-26C4-49A9-A5BA-636EF7BE6CE9}" type="datetimeFigureOut">
               <a:rPr lang="ko-KR" altLang="en-US" smtClean="0"/>
-              <a:t>2019-05-26</a:t>
+              <a:t>2019-05-29</a:t>
             </a:fld>
             <a:endParaRPr lang="ko-KR" altLang="en-US"/>
           </a:p>
@@ -954,7 +954,7 @@
           <a:p>
             <a:fld id="{FB30EDBD-1C2D-4C1E-B459-B60219FAB484}" type="datetimeFigureOut">
               <a:rPr lang="ko-KR" altLang="en-US" smtClean="0"/>
-              <a:t>2019-05-26</a:t>
+              <a:t>2019-05-29</a:t>
             </a:fld>
             <a:endParaRPr lang="ko-KR" altLang="en-US"/>
           </a:p>
@@ -1117,7 +1117,7 @@
           <a:p>
             <a:fld id="{FB30EDBD-1C2D-4C1E-B459-B60219FAB484}" type="datetimeFigureOut">
               <a:rPr lang="ko-KR" altLang="en-US" smtClean="0"/>
-              <a:t>2019-05-26</a:t>
+              <a:t>2019-05-29</a:t>
             </a:fld>
             <a:endParaRPr lang="ko-KR" altLang="en-US"/>
           </a:p>
@@ -1290,7 +1290,7 @@
           <a:p>
             <a:fld id="{FB30EDBD-1C2D-4C1E-B459-B60219FAB484}" type="datetimeFigureOut">
               <a:rPr lang="ko-KR" altLang="en-US" smtClean="0"/>
-              <a:t>2019-05-26</a:t>
+              <a:t>2019-05-29</a:t>
             </a:fld>
             <a:endParaRPr lang="ko-KR" altLang="en-US"/>
           </a:p>
@@ -1453,7 +1453,7 @@
           <a:p>
             <a:fld id="{FB30EDBD-1C2D-4C1E-B459-B60219FAB484}" type="datetimeFigureOut">
               <a:rPr lang="ko-KR" altLang="en-US" smtClean="0"/>
-              <a:t>2019-05-26</a:t>
+              <a:t>2019-05-29</a:t>
             </a:fld>
             <a:endParaRPr lang="ko-KR" altLang="en-US"/>
           </a:p>
@@ -1693,7 +1693,7 @@
           <a:p>
             <a:fld id="{FB30EDBD-1C2D-4C1E-B459-B60219FAB484}" type="datetimeFigureOut">
               <a:rPr lang="ko-KR" altLang="en-US" smtClean="0"/>
-              <a:t>2019-05-26</a:t>
+              <a:t>2019-05-29</a:t>
             </a:fld>
             <a:endParaRPr lang="ko-KR" altLang="en-US"/>
           </a:p>
@@ -1973,7 +1973,7 @@
           <a:p>
             <a:fld id="{FB30EDBD-1C2D-4C1E-B459-B60219FAB484}" type="datetimeFigureOut">
               <a:rPr lang="ko-KR" altLang="en-US" smtClean="0"/>
-              <a:t>2019-05-26</a:t>
+              <a:t>2019-05-29</a:t>
             </a:fld>
             <a:endParaRPr lang="ko-KR" altLang="en-US"/>
           </a:p>
@@ -2387,7 +2387,7 @@
           <a:p>
             <a:fld id="{FB30EDBD-1C2D-4C1E-B459-B60219FAB484}" type="datetimeFigureOut">
               <a:rPr lang="ko-KR" altLang="en-US" smtClean="0"/>
-              <a:t>2019-05-26</a:t>
+              <a:t>2019-05-29</a:t>
             </a:fld>
             <a:endParaRPr lang="ko-KR" altLang="en-US"/>
           </a:p>
@@ -2499,7 +2499,7 @@
           <a:p>
             <a:fld id="{FB30EDBD-1C2D-4C1E-B459-B60219FAB484}" type="datetimeFigureOut">
               <a:rPr lang="ko-KR" altLang="en-US" smtClean="0"/>
-              <a:t>2019-05-26</a:t>
+              <a:t>2019-05-29</a:t>
             </a:fld>
             <a:endParaRPr lang="ko-KR" altLang="en-US"/>
           </a:p>
@@ -2589,7 +2589,7 @@
           <a:p>
             <a:fld id="{FB30EDBD-1C2D-4C1E-B459-B60219FAB484}" type="datetimeFigureOut">
               <a:rPr lang="ko-KR" altLang="en-US" smtClean="0"/>
-              <a:t>2019-05-26</a:t>
+              <a:t>2019-05-29</a:t>
             </a:fld>
             <a:endParaRPr lang="ko-KR" altLang="en-US"/>
           </a:p>
@@ -2859,7 +2859,7 @@
           <a:p>
             <a:fld id="{FB30EDBD-1C2D-4C1E-B459-B60219FAB484}" type="datetimeFigureOut">
               <a:rPr lang="ko-KR" altLang="en-US" smtClean="0"/>
-              <a:t>2019-05-26</a:t>
+              <a:t>2019-05-29</a:t>
             </a:fld>
             <a:endParaRPr lang="ko-KR" altLang="en-US"/>
           </a:p>
@@ -3106,7 +3106,7 @@
           <a:p>
             <a:fld id="{FB30EDBD-1C2D-4C1E-B459-B60219FAB484}" type="datetimeFigureOut">
               <a:rPr lang="ko-KR" altLang="en-US" smtClean="0"/>
-              <a:t>2019-05-26</a:t>
+              <a:t>2019-05-29</a:t>
             </a:fld>
             <a:endParaRPr lang="ko-KR" altLang="en-US"/>
           </a:p>
@@ -3312,7 +3312,7 @@
           <a:p>
             <a:fld id="{FB30EDBD-1C2D-4C1E-B459-B60219FAB484}" type="datetimeFigureOut">
               <a:rPr lang="ko-KR" altLang="en-US" smtClean="0"/>
-              <a:t>2019-05-26</a:t>
+              <a:t>2019-05-29</a:t>
             </a:fld>
             <a:endParaRPr lang="ko-KR" altLang="en-US"/>
           </a:p>
@@ -3734,7 +3734,7 @@
         </p:nvSpPr>
         <p:spPr>
           <a:xfrm>
-            <a:off x="3923928" y="911140"/>
+            <a:off x="3923928" y="1545948"/>
             <a:ext cx="1296144" cy="364466"/>
           </a:xfrm>
           <a:prstGeom prst="roundRect">
@@ -3782,7 +3782,7 @@
         </p:nvSpPr>
         <p:spPr>
           <a:xfrm>
-            <a:off x="2267744" y="911140"/>
+            <a:off x="2267744" y="1545948"/>
             <a:ext cx="1296144" cy="364466"/>
           </a:xfrm>
           <a:prstGeom prst="roundRect">
@@ -3830,7 +3830,7 @@
         </p:nvSpPr>
         <p:spPr>
           <a:xfrm>
-            <a:off x="5580112" y="911140"/>
+            <a:off x="5580112" y="1545948"/>
             <a:ext cx="1296144" cy="364466"/>
           </a:xfrm>
           <a:prstGeom prst="roundRect">
@@ -3858,7 +3858,7 @@
             <a:pPr algn="ctr"/>
             <a:r>
               <a:rPr lang="en-US" altLang="ko-KR" sz="1400"/>
-              <a:t>istio Auth</a:t>
+              <a:t>istio Citadel</a:t>
             </a:r>
             <a:endParaRPr lang="ko-KR" altLang="en-US" sz="1400"/>
           </a:p>
@@ -3880,7 +3880,7 @@
         </p:nvCxnSpPr>
         <p:spPr>
           <a:xfrm>
-            <a:off x="755576" y="1563638"/>
+            <a:off x="755576" y="2387174"/>
             <a:ext cx="7632848" cy="0"/>
           </a:xfrm>
           <a:prstGeom prst="line">
@@ -3922,8 +3922,8 @@
         </p:nvSpPr>
         <p:spPr>
           <a:xfrm>
-            <a:off x="-108520" y="1158886"/>
-            <a:ext cx="1937650" cy="338554"/>
+            <a:off x="546118" y="1997810"/>
+            <a:ext cx="1937650" cy="307777"/>
           </a:xfrm>
           <a:prstGeom prst="rect">
             <a:avLst/>
@@ -3938,10 +3938,10 @@
           <a:p>
             <a:pPr algn="ctr"/>
             <a:r>
-              <a:rPr lang="en-US" altLang="ko-KR" sz="1600" b="1"/>
+              <a:rPr lang="en-US" altLang="ko-KR" sz="1400" b="1"/>
               <a:t>Control Plan</a:t>
             </a:r>
-            <a:endParaRPr lang="ko-KR" altLang="en-US" sz="1600" b="1"/>
+            <a:endParaRPr lang="ko-KR" altLang="en-US" sz="1400" b="1"/>
           </a:p>
         </p:txBody>
       </p:sp>
@@ -3959,8 +3959,8 @@
         </p:nvSpPr>
         <p:spPr>
           <a:xfrm>
-            <a:off x="-108520" y="1616569"/>
-            <a:ext cx="1937650" cy="338554"/>
+            <a:off x="546118" y="2455493"/>
+            <a:ext cx="1937650" cy="307777"/>
           </a:xfrm>
           <a:prstGeom prst="rect">
             <a:avLst/>
@@ -3975,10 +3975,10 @@
           <a:p>
             <a:pPr algn="ctr"/>
             <a:r>
-              <a:rPr lang="en-US" altLang="ko-KR" sz="1600" b="1"/>
+              <a:rPr lang="en-US" altLang="ko-KR" sz="1400" b="1"/>
               <a:t>Data Plan</a:t>
             </a:r>
-            <a:endParaRPr lang="ko-KR" altLang="en-US" sz="1600" b="1"/>
+            <a:endParaRPr lang="ko-KR" altLang="en-US" sz="1400" b="1"/>
           </a:p>
         </p:txBody>
       </p:sp>
@@ -3996,8 +3996,8 @@
         </p:nvSpPr>
         <p:spPr>
           <a:xfrm>
-            <a:off x="755576" y="2529954"/>
-            <a:ext cx="2232248" cy="1797843"/>
+            <a:off x="2267742" y="2672455"/>
+            <a:ext cx="1584178" cy="1771502"/>
           </a:xfrm>
           <a:prstGeom prst="roundRect">
             <a:avLst>
@@ -4029,6 +4029,391 @@
               <a:t>Pod</a:t>
             </a:r>
             <a:endParaRPr lang="ko-KR" altLang="en-US" sz="1400"/>
+          </a:p>
+        </p:txBody>
+      </p:sp>
+      <p:sp>
+        <p:nvSpPr>
+          <p:cNvPr id="10" name="사각형: 둥근 모서리 9">
+            <a:extLst>
+              <a:ext uri="{FF2B5EF4-FFF2-40B4-BE49-F238E27FC236}">
+                <a16:creationId xmlns:a16="http://schemas.microsoft.com/office/drawing/2014/main" id="{61193B69-8AE4-46C8-8DE5-9DC6FFEAD8BA}"/>
+              </a:ext>
+            </a:extLst>
+          </p:cNvPr>
+          <p:cNvSpPr/>
+          <p:nvPr/>
+        </p:nvSpPr>
+        <p:spPr>
+          <a:xfrm>
+            <a:off x="3923928" y="915566"/>
+            <a:ext cx="1296144" cy="364466"/>
+          </a:xfrm>
+          <a:prstGeom prst="roundRect">
+            <a:avLst/>
+          </a:prstGeom>
+        </p:spPr>
+        <p:style>
+          <a:lnRef idx="2">
+            <a:schemeClr val="dk1"/>
+          </a:lnRef>
+          <a:fillRef idx="1">
+            <a:schemeClr val="lt1"/>
+          </a:fillRef>
+          <a:effectRef idx="0">
+            <a:schemeClr val="dk1"/>
+          </a:effectRef>
+          <a:fontRef idx="minor">
+            <a:schemeClr val="dk1"/>
+          </a:fontRef>
+        </p:style>
+        <p:txBody>
+          <a:bodyPr rtlCol="0" anchor="ctr"/>
+          <a:lstStyle/>
+          <a:p>
+            <a:pPr algn="ctr"/>
+            <a:r>
+              <a:rPr lang="en-US" altLang="ko-KR" sz="1400"/>
+              <a:t>istio Gallery</a:t>
+            </a:r>
+            <a:endParaRPr lang="ko-KR" altLang="en-US" sz="1400"/>
+          </a:p>
+        </p:txBody>
+      </p:sp>
+      <p:sp>
+        <p:nvSpPr>
+          <p:cNvPr id="11" name="사각형: 둥근 모서리 10">
+            <a:extLst>
+              <a:ext uri="{FF2B5EF4-FFF2-40B4-BE49-F238E27FC236}">
+                <a16:creationId xmlns:a16="http://schemas.microsoft.com/office/drawing/2014/main" id="{D8946450-F94A-47A3-A7A0-768126968021}"/>
+              </a:ext>
+            </a:extLst>
+          </p:cNvPr>
+          <p:cNvSpPr/>
+          <p:nvPr/>
+        </p:nvSpPr>
+        <p:spPr>
+          <a:xfrm>
+            <a:off x="2379512" y="2778659"/>
+            <a:ext cx="1378311" cy="364466"/>
+          </a:xfrm>
+          <a:prstGeom prst="roundRect">
+            <a:avLst/>
+          </a:prstGeom>
+        </p:spPr>
+        <p:style>
+          <a:lnRef idx="2">
+            <a:schemeClr val="dk1"/>
+          </a:lnRef>
+          <a:fillRef idx="1">
+            <a:schemeClr val="lt1"/>
+          </a:fillRef>
+          <a:effectRef idx="0">
+            <a:schemeClr val="dk1"/>
+          </a:effectRef>
+          <a:fontRef idx="minor">
+            <a:schemeClr val="dk1"/>
+          </a:fontRef>
+        </p:style>
+        <p:txBody>
+          <a:bodyPr rtlCol="0" anchor="ctr"/>
+          <a:lstStyle/>
+          <a:p>
+            <a:pPr algn="ctr"/>
+            <a:r>
+              <a:rPr lang="en-US" altLang="ko-KR" sz="1400"/>
+              <a:t>Envoy Sidecar</a:t>
+            </a:r>
+            <a:endParaRPr lang="ko-KR" altLang="en-US" sz="1400"/>
+          </a:p>
+        </p:txBody>
+      </p:sp>
+      <p:sp>
+        <p:nvSpPr>
+          <p:cNvPr id="12" name="사각형: 둥근 모서리 11">
+            <a:extLst>
+              <a:ext uri="{FF2B5EF4-FFF2-40B4-BE49-F238E27FC236}">
+                <a16:creationId xmlns:a16="http://schemas.microsoft.com/office/drawing/2014/main" id="{A05FEBB3-9237-4C4A-BBEA-ACF2D32063B2}"/>
+              </a:ext>
+            </a:extLst>
+          </p:cNvPr>
+          <p:cNvSpPr/>
+          <p:nvPr/>
+        </p:nvSpPr>
+        <p:spPr>
+          <a:xfrm>
+            <a:off x="2379512" y="3251826"/>
+            <a:ext cx="1378311" cy="848396"/>
+          </a:xfrm>
+          <a:prstGeom prst="roundRect">
+            <a:avLst>
+              <a:gd name="adj" fmla="val 8434"/>
+            </a:avLst>
+          </a:prstGeom>
+        </p:spPr>
+        <p:style>
+          <a:lnRef idx="2">
+            <a:schemeClr val="dk1"/>
+          </a:lnRef>
+          <a:fillRef idx="1">
+            <a:schemeClr val="lt1"/>
+          </a:fillRef>
+          <a:effectRef idx="0">
+            <a:schemeClr val="dk1"/>
+          </a:effectRef>
+          <a:fontRef idx="minor">
+            <a:schemeClr val="dk1"/>
+          </a:fontRef>
+        </p:style>
+        <p:txBody>
+          <a:bodyPr rtlCol="0" anchor="ctr"/>
+          <a:lstStyle/>
+          <a:p>
+            <a:pPr algn="ctr"/>
+            <a:r>
+              <a:rPr lang="en-US" altLang="ko-KR" sz="1400"/>
+              <a:t>Service A</a:t>
+            </a:r>
+            <a:endParaRPr lang="ko-KR" altLang="en-US" sz="1400"/>
+          </a:p>
+        </p:txBody>
+      </p:sp>
+      <p:sp>
+        <p:nvSpPr>
+          <p:cNvPr id="13" name="사각형: 둥근 모서리 12">
+            <a:extLst>
+              <a:ext uri="{FF2B5EF4-FFF2-40B4-BE49-F238E27FC236}">
+                <a16:creationId xmlns:a16="http://schemas.microsoft.com/office/drawing/2014/main" id="{5CBB8B62-D9CC-4293-8B0D-4DD838D053B7}"/>
+              </a:ext>
+            </a:extLst>
+          </p:cNvPr>
+          <p:cNvSpPr/>
+          <p:nvPr/>
+        </p:nvSpPr>
+        <p:spPr>
+          <a:xfrm>
+            <a:off x="5292080" y="2672455"/>
+            <a:ext cx="1584178" cy="1771502"/>
+          </a:xfrm>
+          <a:prstGeom prst="roundRect">
+            <a:avLst>
+              <a:gd name="adj" fmla="val 5660"/>
+            </a:avLst>
+          </a:prstGeom>
+        </p:spPr>
+        <p:style>
+          <a:lnRef idx="2">
+            <a:schemeClr val="dk1"/>
+          </a:lnRef>
+          <a:fillRef idx="1">
+            <a:schemeClr val="lt1"/>
+          </a:fillRef>
+          <a:effectRef idx="0">
+            <a:schemeClr val="dk1"/>
+          </a:effectRef>
+          <a:fontRef idx="minor">
+            <a:schemeClr val="dk1"/>
+          </a:fontRef>
+        </p:style>
+        <p:txBody>
+          <a:bodyPr rtlCol="0" anchor="b"/>
+          <a:lstStyle/>
+          <a:p>
+            <a:pPr algn="ctr"/>
+            <a:r>
+              <a:rPr lang="en-US" altLang="ko-KR" sz="1400"/>
+              <a:t>Pod</a:t>
+            </a:r>
+            <a:endParaRPr lang="ko-KR" altLang="en-US" sz="1400"/>
+          </a:p>
+        </p:txBody>
+      </p:sp>
+      <p:sp>
+        <p:nvSpPr>
+          <p:cNvPr id="14" name="사각형: 둥근 모서리 13">
+            <a:extLst>
+              <a:ext uri="{FF2B5EF4-FFF2-40B4-BE49-F238E27FC236}">
+                <a16:creationId xmlns:a16="http://schemas.microsoft.com/office/drawing/2014/main" id="{5C84BC6B-636B-4C3B-86BA-31EECC0CB58A}"/>
+              </a:ext>
+            </a:extLst>
+          </p:cNvPr>
+          <p:cNvSpPr/>
+          <p:nvPr/>
+        </p:nvSpPr>
+        <p:spPr>
+          <a:xfrm>
+            <a:off x="5396040" y="2778659"/>
+            <a:ext cx="1378311" cy="364466"/>
+          </a:xfrm>
+          <a:prstGeom prst="roundRect">
+            <a:avLst/>
+          </a:prstGeom>
+        </p:spPr>
+        <p:style>
+          <a:lnRef idx="2">
+            <a:schemeClr val="dk1"/>
+          </a:lnRef>
+          <a:fillRef idx="1">
+            <a:schemeClr val="lt1"/>
+          </a:fillRef>
+          <a:effectRef idx="0">
+            <a:schemeClr val="dk1"/>
+          </a:effectRef>
+          <a:fontRef idx="minor">
+            <a:schemeClr val="dk1"/>
+          </a:fontRef>
+        </p:style>
+        <p:txBody>
+          <a:bodyPr rtlCol="0" anchor="ctr"/>
+          <a:lstStyle/>
+          <a:p>
+            <a:pPr algn="ctr"/>
+            <a:r>
+              <a:rPr lang="en-US" altLang="ko-KR" sz="1400"/>
+              <a:t>Envoy Sidecar</a:t>
+            </a:r>
+            <a:endParaRPr lang="ko-KR" altLang="en-US" sz="1400"/>
+          </a:p>
+        </p:txBody>
+      </p:sp>
+      <p:sp>
+        <p:nvSpPr>
+          <p:cNvPr id="15" name="사각형: 둥근 모서리 14">
+            <a:extLst>
+              <a:ext uri="{FF2B5EF4-FFF2-40B4-BE49-F238E27FC236}">
+                <a16:creationId xmlns:a16="http://schemas.microsoft.com/office/drawing/2014/main" id="{82C8FB89-6702-4694-82CD-216649078B59}"/>
+              </a:ext>
+            </a:extLst>
+          </p:cNvPr>
+          <p:cNvSpPr/>
+          <p:nvPr/>
+        </p:nvSpPr>
+        <p:spPr>
+          <a:xfrm>
+            <a:off x="5396040" y="3251826"/>
+            <a:ext cx="1378311" cy="848396"/>
+          </a:xfrm>
+          <a:prstGeom prst="roundRect">
+            <a:avLst>
+              <a:gd name="adj" fmla="val 8434"/>
+            </a:avLst>
+          </a:prstGeom>
+        </p:spPr>
+        <p:style>
+          <a:lnRef idx="2">
+            <a:schemeClr val="dk1"/>
+          </a:lnRef>
+          <a:fillRef idx="1">
+            <a:schemeClr val="lt1"/>
+          </a:fillRef>
+          <a:effectRef idx="0">
+            <a:schemeClr val="dk1"/>
+          </a:effectRef>
+          <a:fontRef idx="minor">
+            <a:schemeClr val="dk1"/>
+          </a:fontRef>
+        </p:style>
+        <p:txBody>
+          <a:bodyPr rtlCol="0" anchor="ctr"/>
+          <a:lstStyle/>
+          <a:p>
+            <a:pPr algn="ctr"/>
+            <a:r>
+              <a:rPr lang="en-US" altLang="ko-KR" sz="1400"/>
+              <a:t>Service B</a:t>
+            </a:r>
+            <a:endParaRPr lang="ko-KR" altLang="en-US" sz="1400"/>
+          </a:p>
+        </p:txBody>
+      </p:sp>
+      <p:cxnSp>
+        <p:nvCxnSpPr>
+          <p:cNvPr id="4" name="직선 화살표 연결선 3">
+            <a:extLst>
+              <a:ext uri="{FF2B5EF4-FFF2-40B4-BE49-F238E27FC236}">
+                <a16:creationId xmlns:a16="http://schemas.microsoft.com/office/drawing/2014/main" id="{730910B9-BECA-44DA-B857-FD6B9700E337}"/>
+              </a:ext>
+            </a:extLst>
+          </p:cNvPr>
+          <p:cNvCxnSpPr>
+            <a:cxnSpLocks/>
+            <a:stCxn id="11" idx="3"/>
+            <a:endCxn id="14" idx="1"/>
+          </p:cNvCxnSpPr>
+          <p:nvPr/>
+        </p:nvCxnSpPr>
+        <p:spPr>
+          <a:xfrm>
+            <a:off x="3757823" y="2960892"/>
+            <a:ext cx="1638217" cy="0"/>
+          </a:xfrm>
+          <a:prstGeom prst="straightConnector1">
+            <a:avLst/>
+          </a:prstGeom>
+          <a:ln w="19050">
+            <a:solidFill>
+              <a:schemeClr val="tx1"/>
+            </a:solidFill>
+            <a:headEnd type="arrow" w="med" len="med"/>
+            <a:tailEnd type="arrow" w="med" len="med"/>
+          </a:ln>
+        </p:spPr>
+        <p:style>
+          <a:lnRef idx="1">
+            <a:schemeClr val="accent1"/>
+          </a:lnRef>
+          <a:fillRef idx="0">
+            <a:schemeClr val="accent1"/>
+          </a:fillRef>
+          <a:effectRef idx="0">
+            <a:schemeClr val="accent1"/>
+          </a:effectRef>
+          <a:fontRef idx="minor">
+            <a:schemeClr val="tx1"/>
+          </a:fontRef>
+        </p:style>
+      </p:cxnSp>
+      <p:sp>
+        <p:nvSpPr>
+          <p:cNvPr id="18" name="TextBox 17">
+            <a:extLst>
+              <a:ext uri="{FF2B5EF4-FFF2-40B4-BE49-F238E27FC236}">
+                <a16:creationId xmlns:a16="http://schemas.microsoft.com/office/drawing/2014/main" id="{84669EE0-4BA2-435A-9F05-ACD4C5D654A3}"/>
+              </a:ext>
+            </a:extLst>
+          </p:cNvPr>
+          <p:cNvSpPr txBox="1"/>
+          <p:nvPr/>
+        </p:nvSpPr>
+        <p:spPr>
+          <a:xfrm>
+            <a:off x="3603175" y="2960078"/>
+            <a:ext cx="1937650" cy="430887"/>
+          </a:xfrm>
+          <a:prstGeom prst="rect">
+            <a:avLst/>
+          </a:prstGeom>
+          <a:noFill/>
+        </p:spPr>
+        <p:txBody>
+          <a:bodyPr wrap="square" rtlCol="0" anchor="ctr">
+            <a:spAutoFit/>
+          </a:bodyPr>
+          <a:lstStyle/>
+          <a:p>
+            <a:pPr algn="ctr"/>
+            <a:r>
+              <a:rPr lang="en-US" altLang="ko-KR" sz="1100"/>
+              <a:t>HTTP/1.1, HTTP/2 </a:t>
+            </a:r>
+          </a:p>
+          <a:p>
+            <a:pPr algn="ctr"/>
+            <a:r>
+              <a:rPr lang="en-US" altLang="ko-KR" sz="1100"/>
+              <a:t>gRPC, TCP (with TLS)</a:t>
+            </a:r>
+            <a:endParaRPr lang="ko-KR" altLang="en-US" sz="1100"/>
           </a:p>
         </p:txBody>
       </p:sp>

--- a/images/theory_analysis/istio_Architecture/istio_Architecture.pptx
+++ b/images/theory_analysis/istio_Architecture/istio_Architecture.pptx
@@ -256,7 +256,7 @@
           <a:p>
             <a:fld id="{6CD5550B-26C4-49A9-A5BA-636EF7BE6CE9}" type="datetimeFigureOut">
               <a:rPr lang="ko-KR" altLang="en-US" smtClean="0"/>
-              <a:t>2019-05-29</a:t>
+              <a:t>2019-08-27</a:t>
             </a:fld>
             <a:endParaRPr lang="ko-KR" altLang="en-US"/>
           </a:p>
@@ -954,7 +954,7 @@
           <a:p>
             <a:fld id="{FB30EDBD-1C2D-4C1E-B459-B60219FAB484}" type="datetimeFigureOut">
               <a:rPr lang="ko-KR" altLang="en-US" smtClean="0"/>
-              <a:t>2019-05-29</a:t>
+              <a:t>2019-08-27</a:t>
             </a:fld>
             <a:endParaRPr lang="ko-KR" altLang="en-US"/>
           </a:p>
@@ -1117,7 +1117,7 @@
           <a:p>
             <a:fld id="{FB30EDBD-1C2D-4C1E-B459-B60219FAB484}" type="datetimeFigureOut">
               <a:rPr lang="ko-KR" altLang="en-US" smtClean="0"/>
-              <a:t>2019-05-29</a:t>
+              <a:t>2019-08-27</a:t>
             </a:fld>
             <a:endParaRPr lang="ko-KR" altLang="en-US"/>
           </a:p>
@@ -1290,7 +1290,7 @@
           <a:p>
             <a:fld id="{FB30EDBD-1C2D-4C1E-B459-B60219FAB484}" type="datetimeFigureOut">
               <a:rPr lang="ko-KR" altLang="en-US" smtClean="0"/>
-              <a:t>2019-05-29</a:t>
+              <a:t>2019-08-27</a:t>
             </a:fld>
             <a:endParaRPr lang="ko-KR" altLang="en-US"/>
           </a:p>
@@ -1453,7 +1453,7 @@
           <a:p>
             <a:fld id="{FB30EDBD-1C2D-4C1E-B459-B60219FAB484}" type="datetimeFigureOut">
               <a:rPr lang="ko-KR" altLang="en-US" smtClean="0"/>
-              <a:t>2019-05-29</a:t>
+              <a:t>2019-08-27</a:t>
             </a:fld>
             <a:endParaRPr lang="ko-KR" altLang="en-US"/>
           </a:p>
@@ -1693,7 +1693,7 @@
           <a:p>
             <a:fld id="{FB30EDBD-1C2D-4C1E-B459-B60219FAB484}" type="datetimeFigureOut">
               <a:rPr lang="ko-KR" altLang="en-US" smtClean="0"/>
-              <a:t>2019-05-29</a:t>
+              <a:t>2019-08-27</a:t>
             </a:fld>
             <a:endParaRPr lang="ko-KR" altLang="en-US"/>
           </a:p>
@@ -1973,7 +1973,7 @@
           <a:p>
             <a:fld id="{FB30EDBD-1C2D-4C1E-B459-B60219FAB484}" type="datetimeFigureOut">
               <a:rPr lang="ko-KR" altLang="en-US" smtClean="0"/>
-              <a:t>2019-05-29</a:t>
+              <a:t>2019-08-27</a:t>
             </a:fld>
             <a:endParaRPr lang="ko-KR" altLang="en-US"/>
           </a:p>
@@ -2387,7 +2387,7 @@
           <a:p>
             <a:fld id="{FB30EDBD-1C2D-4C1E-B459-B60219FAB484}" type="datetimeFigureOut">
               <a:rPr lang="ko-KR" altLang="en-US" smtClean="0"/>
-              <a:t>2019-05-29</a:t>
+              <a:t>2019-08-27</a:t>
             </a:fld>
             <a:endParaRPr lang="ko-KR" altLang="en-US"/>
           </a:p>
@@ -2499,7 +2499,7 @@
           <a:p>
             <a:fld id="{FB30EDBD-1C2D-4C1E-B459-B60219FAB484}" type="datetimeFigureOut">
               <a:rPr lang="ko-KR" altLang="en-US" smtClean="0"/>
-              <a:t>2019-05-29</a:t>
+              <a:t>2019-08-27</a:t>
             </a:fld>
             <a:endParaRPr lang="ko-KR" altLang="en-US"/>
           </a:p>
@@ -2589,7 +2589,7 @@
           <a:p>
             <a:fld id="{FB30EDBD-1C2D-4C1E-B459-B60219FAB484}" type="datetimeFigureOut">
               <a:rPr lang="ko-KR" altLang="en-US" smtClean="0"/>
-              <a:t>2019-05-29</a:t>
+              <a:t>2019-08-27</a:t>
             </a:fld>
             <a:endParaRPr lang="ko-KR" altLang="en-US"/>
           </a:p>
@@ -2859,7 +2859,7 @@
           <a:p>
             <a:fld id="{FB30EDBD-1C2D-4C1E-B459-B60219FAB484}" type="datetimeFigureOut">
               <a:rPr lang="ko-KR" altLang="en-US" smtClean="0"/>
-              <a:t>2019-05-29</a:t>
+              <a:t>2019-08-27</a:t>
             </a:fld>
             <a:endParaRPr lang="ko-KR" altLang="en-US"/>
           </a:p>
@@ -3106,7 +3106,7 @@
           <a:p>
             <a:fld id="{FB30EDBD-1C2D-4C1E-B459-B60219FAB484}" type="datetimeFigureOut">
               <a:rPr lang="ko-KR" altLang="en-US" smtClean="0"/>
-              <a:t>2019-05-29</a:t>
+              <a:t>2019-08-27</a:t>
             </a:fld>
             <a:endParaRPr lang="ko-KR" altLang="en-US"/>
           </a:p>
@@ -3312,7 +3312,7 @@
           <a:p>
             <a:fld id="{FB30EDBD-1C2D-4C1E-B459-B60219FAB484}" type="datetimeFigureOut">
               <a:rPr lang="ko-KR" altLang="en-US" smtClean="0"/>
-              <a:t>2019-05-29</a:t>
+              <a:t>2019-08-27</a:t>
             </a:fld>
             <a:endParaRPr lang="ko-KR" altLang="en-US"/>
           </a:p>
@@ -3734,7 +3734,7 @@
         </p:nvSpPr>
         <p:spPr>
           <a:xfrm>
-            <a:off x="3923928" y="1545948"/>
+            <a:off x="3923928" y="1703228"/>
             <a:ext cx="1296144" cy="364466"/>
           </a:xfrm>
           <a:prstGeom prst="roundRect">
@@ -3762,7 +3762,7 @@
             <a:pPr algn="ctr"/>
             <a:r>
               <a:rPr lang="en-US" altLang="ko-KR" sz="1400"/>
-              <a:t>istio Pilot</a:t>
+              <a:t>istio Mixer</a:t>
             </a:r>
             <a:endParaRPr lang="ko-KR" altLang="en-US" sz="1400"/>
           </a:p>
@@ -3782,7 +3782,7 @@
         </p:nvSpPr>
         <p:spPr>
           <a:xfrm>
-            <a:off x="2267744" y="1545948"/>
+            <a:off x="2267744" y="1905987"/>
             <a:ext cx="1296144" cy="364466"/>
           </a:xfrm>
           <a:prstGeom prst="roundRect">
@@ -3810,7 +3810,7 @@
             <a:pPr algn="ctr"/>
             <a:r>
               <a:rPr lang="en-US" altLang="ko-KR" sz="1400"/>
-              <a:t>istio Mixer</a:t>
+              <a:t>istio Pilot</a:t>
             </a:r>
             <a:endParaRPr lang="ko-KR" altLang="en-US" sz="1400"/>
           </a:p>
@@ -3830,7 +3830,7 @@
         </p:nvSpPr>
         <p:spPr>
           <a:xfrm>
-            <a:off x="5580112" y="1545948"/>
+            <a:off x="5580112" y="1905987"/>
             <a:ext cx="1296144" cy="364466"/>
           </a:xfrm>
           <a:prstGeom prst="roundRect">
@@ -3880,7 +3880,7 @@
         </p:nvCxnSpPr>
         <p:spPr>
           <a:xfrm>
-            <a:off x="755576" y="2387174"/>
+            <a:off x="755576" y="2747213"/>
             <a:ext cx="7632848" cy="0"/>
           </a:xfrm>
           <a:prstGeom prst="line">
@@ -3922,7 +3922,7 @@
         </p:nvSpPr>
         <p:spPr>
           <a:xfrm>
-            <a:off x="546118" y="1997810"/>
+            <a:off x="546118" y="2357849"/>
             <a:ext cx="1937650" cy="307777"/>
           </a:xfrm>
           <a:prstGeom prst="rect">
@@ -3959,7 +3959,7 @@
         </p:nvSpPr>
         <p:spPr>
           <a:xfrm>
-            <a:off x="546118" y="2455493"/>
+            <a:off x="546118" y="2815532"/>
             <a:ext cx="1937650" cy="307777"/>
           </a:xfrm>
           <a:prstGeom prst="rect">
@@ -3996,8 +3996,8 @@
         </p:nvSpPr>
         <p:spPr>
           <a:xfrm>
-            <a:off x="2267742" y="2672455"/>
-            <a:ext cx="1584178" cy="1771502"/>
+            <a:off x="2267742" y="3032494"/>
+            <a:ext cx="1584178" cy="1555480"/>
           </a:xfrm>
           <a:prstGeom prst="roundRect">
             <a:avLst>
@@ -4094,7 +4094,7 @@
         </p:nvSpPr>
         <p:spPr>
           <a:xfrm>
-            <a:off x="2379512" y="2778659"/>
+            <a:off x="2379512" y="3138698"/>
             <a:ext cx="1378311" cy="364466"/>
           </a:xfrm>
           <a:prstGeom prst="roundRect">
@@ -4142,8 +4142,8 @@
         </p:nvSpPr>
         <p:spPr>
           <a:xfrm>
-            <a:off x="2379512" y="3251826"/>
-            <a:ext cx="1378311" cy="848396"/>
+            <a:off x="2379512" y="3723877"/>
+            <a:ext cx="1378311" cy="504056"/>
           </a:xfrm>
           <a:prstGeom prst="roundRect">
             <a:avLst>
@@ -4192,8 +4192,8 @@
         </p:nvSpPr>
         <p:spPr>
           <a:xfrm>
-            <a:off x="5292080" y="2672455"/>
-            <a:ext cx="1584178" cy="1771502"/>
+            <a:off x="5292080" y="3032494"/>
+            <a:ext cx="1584178" cy="1555480"/>
           </a:xfrm>
           <a:prstGeom prst="roundRect">
             <a:avLst>
@@ -4242,7 +4242,7 @@
         </p:nvSpPr>
         <p:spPr>
           <a:xfrm>
-            <a:off x="5396040" y="2778659"/>
+            <a:off x="5396040" y="3138698"/>
             <a:ext cx="1378311" cy="364466"/>
           </a:xfrm>
           <a:prstGeom prst="roundRect">
@@ -4290,8 +4290,8 @@
         </p:nvSpPr>
         <p:spPr>
           <a:xfrm>
-            <a:off x="5396040" y="3251826"/>
-            <a:ext cx="1378311" cy="848396"/>
+            <a:off x="5396040" y="3723877"/>
+            <a:ext cx="1378311" cy="504056"/>
           </a:xfrm>
           <a:prstGeom prst="roundRect">
             <a:avLst>
@@ -4344,7 +4344,7 @@
         </p:nvCxnSpPr>
         <p:spPr>
           <a:xfrm>
-            <a:off x="3757823" y="2960892"/>
+            <a:off x="3757823" y="3320931"/>
             <a:ext cx="1638217" cy="0"/>
           </a:xfrm>
           <a:prstGeom prst="straightConnector1">
@@ -4387,7 +4387,7 @@
         </p:nvSpPr>
         <p:spPr>
           <a:xfrm>
-            <a:off x="3603175" y="2960078"/>
+            <a:off x="3603175" y="3320117"/>
             <a:ext cx="1937650" cy="430887"/>
           </a:xfrm>
           <a:prstGeom prst="rect">
@@ -4412,6 +4412,645 @@
             <a:r>
               <a:rPr lang="en-US" altLang="ko-KR" sz="1100"/>
               <a:t>gRPC, TCP (with TLS)</a:t>
+            </a:r>
+            <a:endParaRPr lang="ko-KR" altLang="en-US" sz="1100"/>
+          </a:p>
+        </p:txBody>
+      </p:sp>
+      <p:cxnSp>
+        <p:nvCxnSpPr>
+          <p:cNvPr id="20" name="직선 화살표 연결선 19">
+            <a:extLst>
+              <a:ext uri="{FF2B5EF4-FFF2-40B4-BE49-F238E27FC236}">
+                <a16:creationId xmlns:a16="http://schemas.microsoft.com/office/drawing/2014/main" id="{FF296AC7-043E-4283-A0B2-C4601D195B9D}"/>
+              </a:ext>
+            </a:extLst>
+          </p:cNvPr>
+          <p:cNvCxnSpPr>
+            <a:cxnSpLocks/>
+            <a:stCxn id="11" idx="2"/>
+            <a:endCxn id="12" idx="0"/>
+          </p:cNvCxnSpPr>
+          <p:nvPr/>
+        </p:nvCxnSpPr>
+        <p:spPr>
+          <a:xfrm>
+            <a:off x="3068668" y="3503164"/>
+            <a:ext cx="0" cy="220713"/>
+          </a:xfrm>
+          <a:prstGeom prst="straightConnector1">
+            <a:avLst/>
+          </a:prstGeom>
+          <a:ln w="19050">
+            <a:solidFill>
+              <a:schemeClr val="tx1"/>
+            </a:solidFill>
+            <a:headEnd type="arrow" w="med" len="med"/>
+            <a:tailEnd type="arrow" w="med" len="med"/>
+          </a:ln>
+        </p:spPr>
+        <p:style>
+          <a:lnRef idx="1">
+            <a:schemeClr val="accent1"/>
+          </a:lnRef>
+          <a:fillRef idx="0">
+            <a:schemeClr val="accent1"/>
+          </a:fillRef>
+          <a:effectRef idx="0">
+            <a:schemeClr val="accent1"/>
+          </a:effectRef>
+          <a:fontRef idx="minor">
+            <a:schemeClr val="tx1"/>
+          </a:fontRef>
+        </p:style>
+      </p:cxnSp>
+      <p:cxnSp>
+        <p:nvCxnSpPr>
+          <p:cNvPr id="24" name="직선 화살표 연결선 23">
+            <a:extLst>
+              <a:ext uri="{FF2B5EF4-FFF2-40B4-BE49-F238E27FC236}">
+                <a16:creationId xmlns:a16="http://schemas.microsoft.com/office/drawing/2014/main" id="{79A52169-39C4-4BD1-8DE6-B4CE804C4B4E}"/>
+              </a:ext>
+            </a:extLst>
+          </p:cNvPr>
+          <p:cNvCxnSpPr>
+            <a:cxnSpLocks/>
+            <a:stCxn id="14" idx="2"/>
+            <a:endCxn id="15" idx="0"/>
+          </p:cNvCxnSpPr>
+          <p:nvPr/>
+        </p:nvCxnSpPr>
+        <p:spPr>
+          <a:xfrm>
+            <a:off x="6085196" y="3503164"/>
+            <a:ext cx="0" cy="220713"/>
+          </a:xfrm>
+          <a:prstGeom prst="straightConnector1">
+            <a:avLst/>
+          </a:prstGeom>
+          <a:ln w="19050">
+            <a:solidFill>
+              <a:schemeClr val="tx1"/>
+            </a:solidFill>
+            <a:headEnd type="arrow" w="med" len="med"/>
+            <a:tailEnd type="arrow" w="med" len="med"/>
+          </a:ln>
+        </p:spPr>
+        <p:style>
+          <a:lnRef idx="1">
+            <a:schemeClr val="accent1"/>
+          </a:lnRef>
+          <a:fillRef idx="0">
+            <a:schemeClr val="accent1"/>
+          </a:fillRef>
+          <a:effectRef idx="0">
+            <a:schemeClr val="accent1"/>
+          </a:effectRef>
+          <a:fontRef idx="minor">
+            <a:schemeClr val="tx1"/>
+          </a:fontRef>
+        </p:style>
+      </p:cxnSp>
+      <p:cxnSp>
+        <p:nvCxnSpPr>
+          <p:cNvPr id="26" name="직선 화살표 연결선 25">
+            <a:extLst>
+              <a:ext uri="{FF2B5EF4-FFF2-40B4-BE49-F238E27FC236}">
+                <a16:creationId xmlns:a16="http://schemas.microsoft.com/office/drawing/2014/main" id="{75E0FBB9-DFF7-4AD7-845D-42BB1D7A2F71}"/>
+              </a:ext>
+            </a:extLst>
+          </p:cNvPr>
+          <p:cNvCxnSpPr>
+            <a:cxnSpLocks/>
+            <a:stCxn id="21" idx="2"/>
+            <a:endCxn id="11" idx="0"/>
+          </p:cNvCxnSpPr>
+          <p:nvPr/>
+        </p:nvCxnSpPr>
+        <p:spPr>
+          <a:xfrm>
+            <a:off x="2915816" y="2270453"/>
+            <a:ext cx="152852" cy="868245"/>
+          </a:xfrm>
+          <a:prstGeom prst="straightConnector1">
+            <a:avLst/>
+          </a:prstGeom>
+          <a:ln w="19050">
+            <a:solidFill>
+              <a:schemeClr val="tx1"/>
+            </a:solidFill>
+            <a:headEnd type="none" w="med" len="med"/>
+            <a:tailEnd type="arrow" w="med" len="med"/>
+          </a:ln>
+        </p:spPr>
+        <p:style>
+          <a:lnRef idx="1">
+            <a:schemeClr val="accent1"/>
+          </a:lnRef>
+          <a:fillRef idx="0">
+            <a:schemeClr val="accent1"/>
+          </a:fillRef>
+          <a:effectRef idx="0">
+            <a:schemeClr val="accent1"/>
+          </a:effectRef>
+          <a:fontRef idx="minor">
+            <a:schemeClr val="tx1"/>
+          </a:fontRef>
+        </p:style>
+      </p:cxnSp>
+      <p:cxnSp>
+        <p:nvCxnSpPr>
+          <p:cNvPr id="31" name="직선 화살표 연결선 30">
+            <a:extLst>
+              <a:ext uri="{FF2B5EF4-FFF2-40B4-BE49-F238E27FC236}">
+                <a16:creationId xmlns:a16="http://schemas.microsoft.com/office/drawing/2014/main" id="{9A2D860F-4A9B-42E1-9A92-7F92F85826E6}"/>
+              </a:ext>
+            </a:extLst>
+          </p:cNvPr>
+          <p:cNvCxnSpPr>
+            <a:cxnSpLocks/>
+            <a:stCxn id="22" idx="2"/>
+            <a:endCxn id="14" idx="0"/>
+          </p:cNvCxnSpPr>
+          <p:nvPr/>
+        </p:nvCxnSpPr>
+        <p:spPr>
+          <a:xfrm flipH="1">
+            <a:off x="6085196" y="2270453"/>
+            <a:ext cx="142988" cy="868245"/>
+          </a:xfrm>
+          <a:prstGeom prst="straightConnector1">
+            <a:avLst/>
+          </a:prstGeom>
+          <a:ln w="19050">
+            <a:solidFill>
+              <a:schemeClr val="tx1"/>
+            </a:solidFill>
+            <a:headEnd type="none" w="med" len="med"/>
+            <a:tailEnd type="arrow" w="med" len="med"/>
+          </a:ln>
+        </p:spPr>
+        <p:style>
+          <a:lnRef idx="1">
+            <a:schemeClr val="accent1"/>
+          </a:lnRef>
+          <a:fillRef idx="0">
+            <a:schemeClr val="accent1"/>
+          </a:fillRef>
+          <a:effectRef idx="0">
+            <a:schemeClr val="accent1"/>
+          </a:effectRef>
+          <a:fontRef idx="minor">
+            <a:schemeClr val="tx1"/>
+          </a:fontRef>
+        </p:style>
+      </p:cxnSp>
+      <p:cxnSp>
+        <p:nvCxnSpPr>
+          <p:cNvPr id="32" name="직선 화살표 연결선 31">
+            <a:extLst>
+              <a:ext uri="{FF2B5EF4-FFF2-40B4-BE49-F238E27FC236}">
+                <a16:creationId xmlns:a16="http://schemas.microsoft.com/office/drawing/2014/main" id="{8CB8C923-23AC-44F6-A907-979FD0A2671C}"/>
+              </a:ext>
+            </a:extLst>
+          </p:cNvPr>
+          <p:cNvCxnSpPr>
+            <a:cxnSpLocks/>
+            <a:stCxn id="21" idx="2"/>
+            <a:endCxn id="14" idx="0"/>
+          </p:cNvCxnSpPr>
+          <p:nvPr/>
+        </p:nvCxnSpPr>
+        <p:spPr>
+          <a:xfrm>
+            <a:off x="2915816" y="2270453"/>
+            <a:ext cx="3169380" cy="868245"/>
+          </a:xfrm>
+          <a:prstGeom prst="straightConnector1">
+            <a:avLst/>
+          </a:prstGeom>
+          <a:ln w="19050">
+            <a:solidFill>
+              <a:schemeClr val="tx1"/>
+            </a:solidFill>
+            <a:headEnd type="none" w="med" len="med"/>
+            <a:tailEnd type="arrow" w="med" len="med"/>
+          </a:ln>
+        </p:spPr>
+        <p:style>
+          <a:lnRef idx="1">
+            <a:schemeClr val="accent1"/>
+          </a:lnRef>
+          <a:fillRef idx="0">
+            <a:schemeClr val="accent1"/>
+          </a:fillRef>
+          <a:effectRef idx="0">
+            <a:schemeClr val="accent1"/>
+          </a:effectRef>
+          <a:fontRef idx="minor">
+            <a:schemeClr val="tx1"/>
+          </a:fontRef>
+        </p:style>
+      </p:cxnSp>
+      <p:cxnSp>
+        <p:nvCxnSpPr>
+          <p:cNvPr id="37" name="직선 화살표 연결선 36">
+            <a:extLst>
+              <a:ext uri="{FF2B5EF4-FFF2-40B4-BE49-F238E27FC236}">
+                <a16:creationId xmlns:a16="http://schemas.microsoft.com/office/drawing/2014/main" id="{1A8559E0-BB7B-498E-81C5-E1B803048D10}"/>
+              </a:ext>
+            </a:extLst>
+          </p:cNvPr>
+          <p:cNvCxnSpPr>
+            <a:cxnSpLocks/>
+            <a:stCxn id="22" idx="2"/>
+            <a:endCxn id="11" idx="0"/>
+          </p:cNvCxnSpPr>
+          <p:nvPr/>
+        </p:nvCxnSpPr>
+        <p:spPr>
+          <a:xfrm flipH="1">
+            <a:off x="3068668" y="2270453"/>
+            <a:ext cx="3159516" cy="868245"/>
+          </a:xfrm>
+          <a:prstGeom prst="straightConnector1">
+            <a:avLst/>
+          </a:prstGeom>
+          <a:ln w="19050">
+            <a:solidFill>
+              <a:schemeClr val="tx1"/>
+            </a:solidFill>
+            <a:headEnd type="none" w="med" len="med"/>
+            <a:tailEnd type="arrow" w="med" len="med"/>
+          </a:ln>
+        </p:spPr>
+        <p:style>
+          <a:lnRef idx="1">
+            <a:schemeClr val="accent1"/>
+          </a:lnRef>
+          <a:fillRef idx="0">
+            <a:schemeClr val="accent1"/>
+          </a:fillRef>
+          <a:effectRef idx="0">
+            <a:schemeClr val="accent1"/>
+          </a:effectRef>
+          <a:fontRef idx="minor">
+            <a:schemeClr val="tx1"/>
+          </a:fontRef>
+        </p:style>
+      </p:cxnSp>
+      <p:sp>
+        <p:nvSpPr>
+          <p:cNvPr id="40" name="TextBox 39">
+            <a:extLst>
+              <a:ext uri="{FF2B5EF4-FFF2-40B4-BE49-F238E27FC236}">
+                <a16:creationId xmlns:a16="http://schemas.microsoft.com/office/drawing/2014/main" id="{CA986F38-8E99-4A3C-9761-6D727CD90436}"/>
+              </a:ext>
+            </a:extLst>
+          </p:cNvPr>
+          <p:cNvSpPr txBox="1"/>
+          <p:nvPr/>
+        </p:nvSpPr>
+        <p:spPr>
+          <a:xfrm>
+            <a:off x="4046961" y="1347614"/>
+            <a:ext cx="1937650" cy="261610"/>
+          </a:xfrm>
+          <a:prstGeom prst="rect">
+            <a:avLst/>
+          </a:prstGeom>
+          <a:noFill/>
+        </p:spPr>
+        <p:txBody>
+          <a:bodyPr wrap="square" rtlCol="0" anchor="ctr">
+            <a:spAutoFit/>
+          </a:bodyPr>
+          <a:lstStyle/>
+          <a:p>
+            <a:pPr algn="ctr"/>
+            <a:r>
+              <a:rPr lang="en-US" altLang="ko-KR" sz="1100"/>
+              <a:t>Istio Config </a:t>
+            </a:r>
+            <a:endParaRPr lang="ko-KR" altLang="en-US" sz="1100"/>
+          </a:p>
+        </p:txBody>
+      </p:sp>
+      <p:cxnSp>
+        <p:nvCxnSpPr>
+          <p:cNvPr id="41" name="직선 화살표 연결선 40">
+            <a:extLst>
+              <a:ext uri="{FF2B5EF4-FFF2-40B4-BE49-F238E27FC236}">
+                <a16:creationId xmlns:a16="http://schemas.microsoft.com/office/drawing/2014/main" id="{7AD3A802-D381-4ED5-8EB6-29CF31FBD044}"/>
+              </a:ext>
+            </a:extLst>
+          </p:cNvPr>
+          <p:cNvCxnSpPr>
+            <a:cxnSpLocks/>
+            <a:stCxn id="10" idx="2"/>
+            <a:endCxn id="2" idx="0"/>
+          </p:cNvCxnSpPr>
+          <p:nvPr/>
+        </p:nvCxnSpPr>
+        <p:spPr>
+          <a:xfrm>
+            <a:off x="4572000" y="1280032"/>
+            <a:ext cx="0" cy="423196"/>
+          </a:xfrm>
+          <a:prstGeom prst="straightConnector1">
+            <a:avLst/>
+          </a:prstGeom>
+          <a:ln w="19050">
+            <a:solidFill>
+              <a:schemeClr val="tx1"/>
+            </a:solidFill>
+            <a:headEnd type="none" w="med" len="med"/>
+            <a:tailEnd type="arrow" w="med" len="med"/>
+          </a:ln>
+        </p:spPr>
+        <p:style>
+          <a:lnRef idx="1">
+            <a:schemeClr val="accent1"/>
+          </a:lnRef>
+          <a:fillRef idx="0">
+            <a:schemeClr val="accent1"/>
+          </a:fillRef>
+          <a:effectRef idx="0">
+            <a:schemeClr val="accent1"/>
+          </a:effectRef>
+          <a:fontRef idx="minor">
+            <a:schemeClr val="tx1"/>
+          </a:fontRef>
+        </p:style>
+      </p:cxnSp>
+      <p:cxnSp>
+        <p:nvCxnSpPr>
+          <p:cNvPr id="45" name="직선 화살표 연결선 44">
+            <a:extLst>
+              <a:ext uri="{FF2B5EF4-FFF2-40B4-BE49-F238E27FC236}">
+                <a16:creationId xmlns:a16="http://schemas.microsoft.com/office/drawing/2014/main" id="{241E5EE8-630C-4AC2-B5EF-5C4F70B3AABC}"/>
+              </a:ext>
+            </a:extLst>
+          </p:cNvPr>
+          <p:cNvCxnSpPr>
+            <a:cxnSpLocks/>
+            <a:stCxn id="10" idx="2"/>
+            <a:endCxn id="21" idx="0"/>
+          </p:cNvCxnSpPr>
+          <p:nvPr/>
+        </p:nvCxnSpPr>
+        <p:spPr>
+          <a:xfrm flipH="1">
+            <a:off x="2915816" y="1280032"/>
+            <a:ext cx="1656184" cy="625955"/>
+          </a:xfrm>
+          <a:prstGeom prst="straightConnector1">
+            <a:avLst/>
+          </a:prstGeom>
+          <a:ln w="19050">
+            <a:solidFill>
+              <a:schemeClr val="tx1"/>
+            </a:solidFill>
+            <a:headEnd type="none" w="med" len="med"/>
+            <a:tailEnd type="arrow" w="med" len="med"/>
+          </a:ln>
+        </p:spPr>
+        <p:style>
+          <a:lnRef idx="1">
+            <a:schemeClr val="accent1"/>
+          </a:lnRef>
+          <a:fillRef idx="0">
+            <a:schemeClr val="accent1"/>
+          </a:fillRef>
+          <a:effectRef idx="0">
+            <a:schemeClr val="accent1"/>
+          </a:effectRef>
+          <a:fontRef idx="minor">
+            <a:schemeClr val="tx1"/>
+          </a:fontRef>
+        </p:style>
+      </p:cxnSp>
+      <p:sp>
+        <p:nvSpPr>
+          <p:cNvPr id="48" name="TextBox 47">
+            <a:extLst>
+              <a:ext uri="{FF2B5EF4-FFF2-40B4-BE49-F238E27FC236}">
+                <a16:creationId xmlns:a16="http://schemas.microsoft.com/office/drawing/2014/main" id="{32A6DA01-6CF3-428C-B318-828BF9D4A40C}"/>
+              </a:ext>
+            </a:extLst>
+          </p:cNvPr>
+          <p:cNvSpPr txBox="1"/>
+          <p:nvPr/>
+        </p:nvSpPr>
+        <p:spPr>
+          <a:xfrm>
+            <a:off x="1563092" y="2283717"/>
+            <a:ext cx="1857834" cy="430887"/>
+          </a:xfrm>
+          <a:prstGeom prst="rect">
+            <a:avLst/>
+          </a:prstGeom>
+          <a:noFill/>
+        </p:spPr>
+        <p:txBody>
+          <a:bodyPr wrap="square" rtlCol="0" anchor="ctr">
+            <a:spAutoFit/>
+          </a:bodyPr>
+          <a:lstStyle/>
+          <a:p>
+            <a:pPr algn="ctr"/>
+            <a:r>
+              <a:rPr lang="en-US" altLang="ko-KR" sz="1100"/>
+              <a:t>Service Info,</a:t>
+            </a:r>
+          </a:p>
+          <a:p>
+            <a:pPr algn="ctr"/>
+            <a:r>
+              <a:rPr lang="en-US" altLang="ko-KR" sz="1100"/>
+              <a:t>Routing Info</a:t>
+            </a:r>
+            <a:endParaRPr lang="ko-KR" altLang="en-US" sz="1100"/>
+          </a:p>
+        </p:txBody>
+      </p:sp>
+      <p:sp>
+        <p:nvSpPr>
+          <p:cNvPr id="49" name="TextBox 48">
+            <a:extLst>
+              <a:ext uri="{FF2B5EF4-FFF2-40B4-BE49-F238E27FC236}">
+                <a16:creationId xmlns:a16="http://schemas.microsoft.com/office/drawing/2014/main" id="{24A20AA7-25C9-453E-B64D-59058FB36796}"/>
+              </a:ext>
+            </a:extLst>
+          </p:cNvPr>
+          <p:cNvSpPr txBox="1"/>
+          <p:nvPr/>
+        </p:nvSpPr>
+        <p:spPr>
+          <a:xfrm>
+            <a:off x="5802702" y="2262776"/>
+            <a:ext cx="1503332" cy="261610"/>
+          </a:xfrm>
+          <a:prstGeom prst="rect">
+            <a:avLst/>
+          </a:prstGeom>
+          <a:noFill/>
+        </p:spPr>
+        <p:txBody>
+          <a:bodyPr wrap="square" rtlCol="0" anchor="ctr">
+            <a:spAutoFit/>
+          </a:bodyPr>
+          <a:lstStyle/>
+          <a:p>
+            <a:pPr algn="ctr"/>
+            <a:r>
+              <a:rPr lang="en-US" altLang="ko-KR" sz="1100"/>
+              <a:t>TLS Cert</a:t>
+            </a:r>
+            <a:endParaRPr lang="ko-KR" altLang="en-US" sz="1100"/>
+          </a:p>
+        </p:txBody>
+      </p:sp>
+      <p:cxnSp>
+        <p:nvCxnSpPr>
+          <p:cNvPr id="53" name="직선 화살표 연결선 52">
+            <a:extLst>
+              <a:ext uri="{FF2B5EF4-FFF2-40B4-BE49-F238E27FC236}">
+                <a16:creationId xmlns:a16="http://schemas.microsoft.com/office/drawing/2014/main" id="{B48E3304-0DA9-42B7-A102-AC0603A92D79}"/>
+              </a:ext>
+            </a:extLst>
+          </p:cNvPr>
+          <p:cNvCxnSpPr>
+            <a:cxnSpLocks/>
+            <a:stCxn id="2" idx="2"/>
+            <a:endCxn id="14" idx="0"/>
+          </p:cNvCxnSpPr>
+          <p:nvPr/>
+        </p:nvCxnSpPr>
+        <p:spPr>
+          <a:xfrm>
+            <a:off x="4572000" y="2067694"/>
+            <a:ext cx="1513196" cy="1071004"/>
+          </a:xfrm>
+          <a:prstGeom prst="straightConnector1">
+            <a:avLst/>
+          </a:prstGeom>
+          <a:ln w="19050">
+            <a:solidFill>
+              <a:schemeClr val="tx1"/>
+            </a:solidFill>
+            <a:headEnd type="arrow" w="med" len="med"/>
+            <a:tailEnd type="arrow" w="med" len="med"/>
+          </a:ln>
+        </p:spPr>
+        <p:style>
+          <a:lnRef idx="1">
+            <a:schemeClr val="accent1"/>
+          </a:lnRef>
+          <a:fillRef idx="0">
+            <a:schemeClr val="accent1"/>
+          </a:fillRef>
+          <a:effectRef idx="0">
+            <a:schemeClr val="accent1"/>
+          </a:effectRef>
+          <a:fontRef idx="minor">
+            <a:schemeClr val="tx1"/>
+          </a:fontRef>
+        </p:style>
+      </p:cxnSp>
+      <p:cxnSp>
+        <p:nvCxnSpPr>
+          <p:cNvPr id="56" name="직선 화살표 연결선 55">
+            <a:extLst>
+              <a:ext uri="{FF2B5EF4-FFF2-40B4-BE49-F238E27FC236}">
+                <a16:creationId xmlns:a16="http://schemas.microsoft.com/office/drawing/2014/main" id="{AD2B73C4-82B3-41D5-A1F2-4EE03938FF53}"/>
+              </a:ext>
+            </a:extLst>
+          </p:cNvPr>
+          <p:cNvCxnSpPr>
+            <a:cxnSpLocks/>
+            <a:stCxn id="2" idx="2"/>
+            <a:endCxn id="11" idx="0"/>
+          </p:cNvCxnSpPr>
+          <p:nvPr/>
+        </p:nvCxnSpPr>
+        <p:spPr>
+          <a:xfrm flipH="1">
+            <a:off x="3068668" y="2067694"/>
+            <a:ext cx="1503332" cy="1071004"/>
+          </a:xfrm>
+          <a:prstGeom prst="straightConnector1">
+            <a:avLst/>
+          </a:prstGeom>
+          <a:ln w="19050">
+            <a:solidFill>
+              <a:schemeClr val="tx1"/>
+            </a:solidFill>
+            <a:headEnd type="arrow" w="med" len="med"/>
+            <a:tailEnd type="arrow" w="med" len="med"/>
+          </a:ln>
+        </p:spPr>
+        <p:style>
+          <a:lnRef idx="1">
+            <a:schemeClr val="accent1"/>
+          </a:lnRef>
+          <a:fillRef idx="0">
+            <a:schemeClr val="accent1"/>
+          </a:fillRef>
+          <a:effectRef idx="0">
+            <a:schemeClr val="accent1"/>
+          </a:effectRef>
+          <a:fontRef idx="minor">
+            <a:schemeClr val="tx1"/>
+          </a:fontRef>
+        </p:style>
+      </p:cxnSp>
+      <p:sp>
+        <p:nvSpPr>
+          <p:cNvPr id="59" name="TextBox 58">
+            <a:extLst>
+              <a:ext uri="{FF2B5EF4-FFF2-40B4-BE49-F238E27FC236}">
+                <a16:creationId xmlns:a16="http://schemas.microsoft.com/office/drawing/2014/main" id="{47478D2F-0AF1-4E2E-8745-10256E11F7F9}"/>
+              </a:ext>
+            </a:extLst>
+          </p:cNvPr>
+          <p:cNvSpPr txBox="1"/>
+          <p:nvPr/>
+        </p:nvSpPr>
+        <p:spPr>
+          <a:xfrm>
+            <a:off x="3885539" y="2115602"/>
+            <a:ext cx="1370536" cy="600164"/>
+          </a:xfrm>
+          <a:prstGeom prst="rect">
+            <a:avLst/>
+          </a:prstGeom>
+          <a:noFill/>
+        </p:spPr>
+        <p:txBody>
+          <a:bodyPr wrap="square" rtlCol="0" anchor="ctr">
+            <a:spAutoFit/>
+          </a:bodyPr>
+          <a:lstStyle/>
+          <a:p>
+            <a:pPr algn="ctr"/>
+            <a:r>
+              <a:rPr lang="en-US" altLang="ko-KR" sz="1100"/>
+              <a:t>Access Control,</a:t>
+            </a:r>
+          </a:p>
+          <a:p>
+            <a:pPr algn="ctr"/>
+            <a:r>
+              <a:rPr lang="en-US" altLang="ko-KR" sz="1100"/>
+              <a:t>Usage Policy, </a:t>
+            </a:r>
+          </a:p>
+          <a:p>
+            <a:pPr algn="ctr"/>
+            <a:r>
+              <a:rPr lang="en-US" altLang="ko-KR" sz="1100"/>
+              <a:t>Telemtry</a:t>
             </a:r>
             <a:endParaRPr lang="ko-KR" altLang="en-US" sz="1100"/>
           </a:p>

--- a/images/theory_analysis/istio_Architecture/istio_Architecture.pptx
+++ b/images/theory_analysis/istio_Architecture/istio_Architecture.pptx
@@ -256,7 +256,7 @@
           <a:p>
             <a:fld id="{6CD5550B-26C4-49A9-A5BA-636EF7BE6CE9}" type="datetimeFigureOut">
               <a:rPr lang="ko-KR" altLang="en-US" smtClean="0"/>
-              <a:t>2019-08-27</a:t>
+              <a:t>2019-09-01</a:t>
             </a:fld>
             <a:endParaRPr lang="ko-KR" altLang="en-US"/>
           </a:p>
@@ -954,7 +954,7 @@
           <a:p>
             <a:fld id="{FB30EDBD-1C2D-4C1E-B459-B60219FAB484}" type="datetimeFigureOut">
               <a:rPr lang="ko-KR" altLang="en-US" smtClean="0"/>
-              <a:t>2019-08-27</a:t>
+              <a:t>2019-09-01</a:t>
             </a:fld>
             <a:endParaRPr lang="ko-KR" altLang="en-US"/>
           </a:p>
@@ -1117,7 +1117,7 @@
           <a:p>
             <a:fld id="{FB30EDBD-1C2D-4C1E-B459-B60219FAB484}" type="datetimeFigureOut">
               <a:rPr lang="ko-KR" altLang="en-US" smtClean="0"/>
-              <a:t>2019-08-27</a:t>
+              <a:t>2019-09-01</a:t>
             </a:fld>
             <a:endParaRPr lang="ko-KR" altLang="en-US"/>
           </a:p>
@@ -1290,7 +1290,7 @@
           <a:p>
             <a:fld id="{FB30EDBD-1C2D-4C1E-B459-B60219FAB484}" type="datetimeFigureOut">
               <a:rPr lang="ko-KR" altLang="en-US" smtClean="0"/>
-              <a:t>2019-08-27</a:t>
+              <a:t>2019-09-01</a:t>
             </a:fld>
             <a:endParaRPr lang="ko-KR" altLang="en-US"/>
           </a:p>
@@ -1453,7 +1453,7 @@
           <a:p>
             <a:fld id="{FB30EDBD-1C2D-4C1E-B459-B60219FAB484}" type="datetimeFigureOut">
               <a:rPr lang="ko-KR" altLang="en-US" smtClean="0"/>
-              <a:t>2019-08-27</a:t>
+              <a:t>2019-09-01</a:t>
             </a:fld>
             <a:endParaRPr lang="ko-KR" altLang="en-US"/>
           </a:p>
@@ -1693,7 +1693,7 @@
           <a:p>
             <a:fld id="{FB30EDBD-1C2D-4C1E-B459-B60219FAB484}" type="datetimeFigureOut">
               <a:rPr lang="ko-KR" altLang="en-US" smtClean="0"/>
-              <a:t>2019-08-27</a:t>
+              <a:t>2019-09-01</a:t>
             </a:fld>
             <a:endParaRPr lang="ko-KR" altLang="en-US"/>
           </a:p>
@@ -1973,7 +1973,7 @@
           <a:p>
             <a:fld id="{FB30EDBD-1C2D-4C1E-B459-B60219FAB484}" type="datetimeFigureOut">
               <a:rPr lang="ko-KR" altLang="en-US" smtClean="0"/>
-              <a:t>2019-08-27</a:t>
+              <a:t>2019-09-01</a:t>
             </a:fld>
             <a:endParaRPr lang="ko-KR" altLang="en-US"/>
           </a:p>
@@ -2387,7 +2387,7 @@
           <a:p>
             <a:fld id="{FB30EDBD-1C2D-4C1E-B459-B60219FAB484}" type="datetimeFigureOut">
               <a:rPr lang="ko-KR" altLang="en-US" smtClean="0"/>
-              <a:t>2019-08-27</a:t>
+              <a:t>2019-09-01</a:t>
             </a:fld>
             <a:endParaRPr lang="ko-KR" altLang="en-US"/>
           </a:p>
@@ -2499,7 +2499,7 @@
           <a:p>
             <a:fld id="{FB30EDBD-1C2D-4C1E-B459-B60219FAB484}" type="datetimeFigureOut">
               <a:rPr lang="ko-KR" altLang="en-US" smtClean="0"/>
-              <a:t>2019-08-27</a:t>
+              <a:t>2019-09-01</a:t>
             </a:fld>
             <a:endParaRPr lang="ko-KR" altLang="en-US"/>
           </a:p>
@@ -2589,7 +2589,7 @@
           <a:p>
             <a:fld id="{FB30EDBD-1C2D-4C1E-B459-B60219FAB484}" type="datetimeFigureOut">
               <a:rPr lang="ko-KR" altLang="en-US" smtClean="0"/>
-              <a:t>2019-08-27</a:t>
+              <a:t>2019-09-01</a:t>
             </a:fld>
             <a:endParaRPr lang="ko-KR" altLang="en-US"/>
           </a:p>
@@ -2859,7 +2859,7 @@
           <a:p>
             <a:fld id="{FB30EDBD-1C2D-4C1E-B459-B60219FAB484}" type="datetimeFigureOut">
               <a:rPr lang="ko-KR" altLang="en-US" smtClean="0"/>
-              <a:t>2019-08-27</a:t>
+              <a:t>2019-09-01</a:t>
             </a:fld>
             <a:endParaRPr lang="ko-KR" altLang="en-US"/>
           </a:p>
@@ -3106,7 +3106,7 @@
           <a:p>
             <a:fld id="{FB30EDBD-1C2D-4C1E-B459-B60219FAB484}" type="datetimeFigureOut">
               <a:rPr lang="ko-KR" altLang="en-US" smtClean="0"/>
-              <a:t>2019-08-27</a:t>
+              <a:t>2019-09-01</a:t>
             </a:fld>
             <a:endParaRPr lang="ko-KR" altLang="en-US"/>
           </a:p>
@@ -3312,7 +3312,7 @@
           <a:p>
             <a:fld id="{FB30EDBD-1C2D-4C1E-B459-B60219FAB484}" type="datetimeFigureOut">
               <a:rPr lang="ko-KR" altLang="en-US" smtClean="0"/>
-              <a:t>2019-08-27</a:t>
+              <a:t>2019-09-01</a:t>
             </a:fld>
             <a:endParaRPr lang="ko-KR" altLang="en-US"/>
           </a:p>
@@ -4046,7 +4046,7 @@
         </p:nvSpPr>
         <p:spPr>
           <a:xfrm>
-            <a:off x="3923928" y="915566"/>
+            <a:off x="3923928" y="771550"/>
             <a:ext cx="1296144" cy="364466"/>
           </a:xfrm>
           <a:prstGeom prst="roundRect">
@@ -4713,7 +4713,7 @@
         </p:nvSpPr>
         <p:spPr>
           <a:xfrm>
-            <a:off x="4046961" y="1347614"/>
+            <a:off x="3322680" y="1302028"/>
             <a:ext cx="1937650" cy="261610"/>
           </a:xfrm>
           <a:prstGeom prst="rect">
@@ -4730,7 +4730,7 @@
             <a:pPr algn="ctr"/>
             <a:r>
               <a:rPr lang="en-US" altLang="ko-KR" sz="1100"/>
-              <a:t>Istio Config </a:t>
+              <a:t>Config </a:t>
             </a:r>
             <a:endParaRPr lang="ko-KR" altLang="en-US" sz="1100"/>
           </a:p>
@@ -4754,8 +4754,8 @@
         </p:nvCxnSpPr>
         <p:spPr>
           <a:xfrm>
-            <a:off x="4572000" y="1280032"/>
-            <a:ext cx="0" cy="423196"/>
+            <a:off x="4572000" y="1136016"/>
+            <a:ext cx="0" cy="567212"/>
           </a:xfrm>
           <a:prstGeom prst="straightConnector1">
             <a:avLst/>
@@ -4801,8 +4801,8 @@
         </p:nvCxnSpPr>
         <p:spPr>
           <a:xfrm flipH="1">
-            <a:off x="2915816" y="1280032"/>
-            <a:ext cx="1656184" cy="625955"/>
+            <a:off x="2915816" y="1136016"/>
+            <a:ext cx="1656184" cy="769971"/>
           </a:xfrm>
           <a:prstGeom prst="straightConnector1">
             <a:avLst/>
@@ -5019,8 +5019,8 @@
         </p:nvSpPr>
         <p:spPr>
           <a:xfrm>
-            <a:off x="3885539" y="2115602"/>
-            <a:ext cx="1370536" cy="600164"/>
+            <a:off x="3885539" y="2200240"/>
+            <a:ext cx="1370536" cy="430887"/>
           </a:xfrm>
           <a:prstGeom prst="rect">
             <a:avLst/>
@@ -5036,21 +5036,241 @@
             <a:pPr algn="ctr"/>
             <a:r>
               <a:rPr lang="en-US" altLang="ko-KR" sz="1100"/>
-              <a:t>Access Control,</a:t>
+              <a:t>Policy, </a:t>
             </a:r>
           </a:p>
           <a:p>
             <a:pPr algn="ctr"/>
             <a:r>
               <a:rPr lang="en-US" altLang="ko-KR" sz="1100"/>
-              <a:t>Usage Policy, </a:t>
-            </a:r>
-          </a:p>
+              <a:t>Metric</a:t>
+            </a:r>
+            <a:endParaRPr lang="ko-KR" altLang="en-US" sz="1100"/>
+          </a:p>
+        </p:txBody>
+      </p:sp>
+      <p:sp>
+        <p:nvSpPr>
+          <p:cNvPr id="34" name="사각형: 둥근 모서리 33">
+            <a:extLst>
+              <a:ext uri="{FF2B5EF4-FFF2-40B4-BE49-F238E27FC236}">
+                <a16:creationId xmlns:a16="http://schemas.microsoft.com/office/drawing/2014/main" id="{6ADCB343-2E87-464D-9DF0-35FDA54CAD91}"/>
+              </a:ext>
+            </a:extLst>
+          </p:cNvPr>
+          <p:cNvSpPr/>
+          <p:nvPr/>
+        </p:nvSpPr>
+        <p:spPr>
+          <a:xfrm>
+            <a:off x="5807362" y="976425"/>
+            <a:ext cx="854200" cy="272692"/>
+          </a:xfrm>
+          <a:prstGeom prst="roundRect">
+            <a:avLst/>
+          </a:prstGeom>
+        </p:spPr>
+        <p:style>
+          <a:lnRef idx="2">
+            <a:schemeClr val="dk1"/>
+          </a:lnRef>
+          <a:fillRef idx="1">
+            <a:schemeClr val="lt1"/>
+          </a:fillRef>
+          <a:effectRef idx="0">
+            <a:schemeClr val="dk1"/>
+          </a:effectRef>
+          <a:fontRef idx="minor">
+            <a:schemeClr val="dk1"/>
+          </a:fontRef>
+        </p:style>
+        <p:txBody>
+          <a:bodyPr rtlCol="0" anchor="ctr"/>
+          <a:lstStyle/>
           <a:p>
             <a:pPr algn="ctr"/>
             <a:r>
               <a:rPr lang="en-US" altLang="ko-KR" sz="1100"/>
-              <a:t>Telemtry</a:t>
+              <a:t>Adaptor</a:t>
+            </a:r>
+            <a:endParaRPr lang="ko-KR" altLang="en-US" sz="1100"/>
+          </a:p>
+        </p:txBody>
+      </p:sp>
+      <p:sp>
+        <p:nvSpPr>
+          <p:cNvPr id="35" name="사각형: 둥근 모서리 34">
+            <a:extLst>
+              <a:ext uri="{FF2B5EF4-FFF2-40B4-BE49-F238E27FC236}">
+                <a16:creationId xmlns:a16="http://schemas.microsoft.com/office/drawing/2014/main" id="{0E4A5F02-280A-457E-9827-0FB1C6A130D7}"/>
+              </a:ext>
+            </a:extLst>
+          </p:cNvPr>
+          <p:cNvSpPr/>
+          <p:nvPr/>
+        </p:nvSpPr>
+        <p:spPr>
+          <a:xfrm>
+            <a:off x="5807362" y="1430536"/>
+            <a:ext cx="854200" cy="272692"/>
+          </a:xfrm>
+          <a:prstGeom prst="roundRect">
+            <a:avLst/>
+          </a:prstGeom>
+        </p:spPr>
+        <p:style>
+          <a:lnRef idx="2">
+            <a:schemeClr val="dk1"/>
+          </a:lnRef>
+          <a:fillRef idx="1">
+            <a:schemeClr val="lt1"/>
+          </a:fillRef>
+          <a:effectRef idx="0">
+            <a:schemeClr val="dk1"/>
+          </a:effectRef>
+          <a:fontRef idx="minor">
+            <a:schemeClr val="dk1"/>
+          </a:fontRef>
+        </p:style>
+        <p:txBody>
+          <a:bodyPr rtlCol="0" anchor="ctr"/>
+          <a:lstStyle/>
+          <a:p>
+            <a:pPr algn="ctr"/>
+            <a:r>
+              <a:rPr lang="en-US" altLang="ko-KR" sz="1100"/>
+              <a:t>Adaptor</a:t>
+            </a:r>
+            <a:endParaRPr lang="ko-KR" altLang="en-US" sz="1100"/>
+          </a:p>
+        </p:txBody>
+      </p:sp>
+      <p:cxnSp>
+        <p:nvCxnSpPr>
+          <p:cNvPr id="36" name="직선 화살표 연결선 35">
+            <a:extLst>
+              <a:ext uri="{FF2B5EF4-FFF2-40B4-BE49-F238E27FC236}">
+                <a16:creationId xmlns:a16="http://schemas.microsoft.com/office/drawing/2014/main" id="{1FC8ED53-0AD3-4A0C-8B9A-851B8F610457}"/>
+              </a:ext>
+            </a:extLst>
+          </p:cNvPr>
+          <p:cNvCxnSpPr>
+            <a:cxnSpLocks/>
+            <a:stCxn id="2" idx="3"/>
+            <a:endCxn id="34" idx="1"/>
+          </p:cNvCxnSpPr>
+          <p:nvPr/>
+        </p:nvCxnSpPr>
+        <p:spPr>
+          <a:xfrm flipV="1">
+            <a:off x="5220072" y="1112771"/>
+            <a:ext cx="587290" cy="772690"/>
+          </a:xfrm>
+          <a:prstGeom prst="straightConnector1">
+            <a:avLst/>
+          </a:prstGeom>
+          <a:ln w="19050">
+            <a:solidFill>
+              <a:schemeClr val="tx1"/>
+            </a:solidFill>
+            <a:headEnd type="none" w="med" len="med"/>
+            <a:tailEnd type="arrow" w="med" len="med"/>
+          </a:ln>
+        </p:spPr>
+        <p:style>
+          <a:lnRef idx="1">
+            <a:schemeClr val="accent1"/>
+          </a:lnRef>
+          <a:fillRef idx="0">
+            <a:schemeClr val="accent1"/>
+          </a:fillRef>
+          <a:effectRef idx="0">
+            <a:schemeClr val="accent1"/>
+          </a:effectRef>
+          <a:fontRef idx="minor">
+            <a:schemeClr val="tx1"/>
+          </a:fontRef>
+        </p:style>
+      </p:cxnSp>
+      <p:cxnSp>
+        <p:nvCxnSpPr>
+          <p:cNvPr id="39" name="직선 화살표 연결선 38">
+            <a:extLst>
+              <a:ext uri="{FF2B5EF4-FFF2-40B4-BE49-F238E27FC236}">
+                <a16:creationId xmlns:a16="http://schemas.microsoft.com/office/drawing/2014/main" id="{CFE0763D-4732-447B-B7BE-B88FF1BAF656}"/>
+              </a:ext>
+            </a:extLst>
+          </p:cNvPr>
+          <p:cNvCxnSpPr>
+            <a:cxnSpLocks/>
+            <a:stCxn id="2" idx="3"/>
+            <a:endCxn id="35" idx="1"/>
+          </p:cNvCxnSpPr>
+          <p:nvPr/>
+        </p:nvCxnSpPr>
+        <p:spPr>
+          <a:xfrm flipV="1">
+            <a:off x="5220072" y="1566882"/>
+            <a:ext cx="587290" cy="318579"/>
+          </a:xfrm>
+          <a:prstGeom prst="straightConnector1">
+            <a:avLst/>
+          </a:prstGeom>
+          <a:ln w="19050">
+            <a:solidFill>
+              <a:schemeClr val="tx1"/>
+            </a:solidFill>
+            <a:headEnd type="none" w="med" len="med"/>
+            <a:tailEnd type="arrow" w="med" len="med"/>
+          </a:ln>
+        </p:spPr>
+        <p:style>
+          <a:lnRef idx="1">
+            <a:schemeClr val="accent1"/>
+          </a:lnRef>
+          <a:fillRef idx="0">
+            <a:schemeClr val="accent1"/>
+          </a:fillRef>
+          <a:effectRef idx="0">
+            <a:schemeClr val="accent1"/>
+          </a:effectRef>
+          <a:fontRef idx="minor">
+            <a:schemeClr val="tx1"/>
+          </a:fontRef>
+        </p:style>
+      </p:cxnSp>
+      <p:sp>
+        <p:nvSpPr>
+          <p:cNvPr id="42" name="TextBox 41">
+            <a:extLst>
+              <a:ext uri="{FF2B5EF4-FFF2-40B4-BE49-F238E27FC236}">
+                <a16:creationId xmlns:a16="http://schemas.microsoft.com/office/drawing/2014/main" id="{1FC1BA85-0000-4E67-B51B-6CB3207E4E2F}"/>
+              </a:ext>
+            </a:extLst>
+          </p:cNvPr>
+          <p:cNvSpPr txBox="1"/>
+          <p:nvPr/>
+        </p:nvSpPr>
+        <p:spPr>
+          <a:xfrm>
+            <a:off x="4858051" y="1400971"/>
+            <a:ext cx="641506" cy="261610"/>
+          </a:xfrm>
+          <a:prstGeom prst="rect">
+            <a:avLst/>
+          </a:prstGeom>
+          <a:noFill/>
+        </p:spPr>
+        <p:txBody>
+          <a:bodyPr wrap="square" rtlCol="0" anchor="ctr">
+            <a:spAutoFit/>
+          </a:bodyPr>
+          <a:lstStyle/>
+          <a:p>
+            <a:pPr algn="ctr"/>
+            <a:r>
+              <a:rPr lang="en-US" altLang="ko-KR" sz="1100"/>
+              <a:t>Metric</a:t>
             </a:r>
             <a:endParaRPr lang="ko-KR" altLang="en-US" sz="1100"/>
           </a:p>

--- a/images/theory_analysis/istio_Architecture/istio_Architecture.pptx
+++ b/images/theory_analysis/istio_Architecture/istio_Architecture.pptx
@@ -256,7 +256,7 @@
           <a:p>
             <a:fld id="{6CD5550B-26C4-49A9-A5BA-636EF7BE6CE9}" type="datetimeFigureOut">
               <a:rPr lang="ko-KR" altLang="en-US" smtClean="0"/>
-              <a:t>2019-09-01</a:t>
+              <a:t>2020-12-28</a:t>
             </a:fld>
             <a:endParaRPr lang="ko-KR" altLang="en-US"/>
           </a:p>
@@ -954,7 +954,7 @@
           <a:p>
             <a:fld id="{FB30EDBD-1C2D-4C1E-B459-B60219FAB484}" type="datetimeFigureOut">
               <a:rPr lang="ko-KR" altLang="en-US" smtClean="0"/>
-              <a:t>2019-09-01</a:t>
+              <a:t>2020-12-28</a:t>
             </a:fld>
             <a:endParaRPr lang="ko-KR" altLang="en-US"/>
           </a:p>
@@ -1117,7 +1117,7 @@
           <a:p>
             <a:fld id="{FB30EDBD-1C2D-4C1E-B459-B60219FAB484}" type="datetimeFigureOut">
               <a:rPr lang="ko-KR" altLang="en-US" smtClean="0"/>
-              <a:t>2019-09-01</a:t>
+              <a:t>2020-12-28</a:t>
             </a:fld>
             <a:endParaRPr lang="ko-KR" altLang="en-US"/>
           </a:p>
@@ -1290,7 +1290,7 @@
           <a:p>
             <a:fld id="{FB30EDBD-1C2D-4C1E-B459-B60219FAB484}" type="datetimeFigureOut">
               <a:rPr lang="ko-KR" altLang="en-US" smtClean="0"/>
-              <a:t>2019-09-01</a:t>
+              <a:t>2020-12-28</a:t>
             </a:fld>
             <a:endParaRPr lang="ko-KR" altLang="en-US"/>
           </a:p>
@@ -1453,7 +1453,7 @@
           <a:p>
             <a:fld id="{FB30EDBD-1C2D-4C1E-B459-B60219FAB484}" type="datetimeFigureOut">
               <a:rPr lang="ko-KR" altLang="en-US" smtClean="0"/>
-              <a:t>2019-09-01</a:t>
+              <a:t>2020-12-28</a:t>
             </a:fld>
             <a:endParaRPr lang="ko-KR" altLang="en-US"/>
           </a:p>
@@ -1693,7 +1693,7 @@
           <a:p>
             <a:fld id="{FB30EDBD-1C2D-4C1E-B459-B60219FAB484}" type="datetimeFigureOut">
               <a:rPr lang="ko-KR" altLang="en-US" smtClean="0"/>
-              <a:t>2019-09-01</a:t>
+              <a:t>2020-12-28</a:t>
             </a:fld>
             <a:endParaRPr lang="ko-KR" altLang="en-US"/>
           </a:p>
@@ -1973,7 +1973,7 @@
           <a:p>
             <a:fld id="{FB30EDBD-1C2D-4C1E-B459-B60219FAB484}" type="datetimeFigureOut">
               <a:rPr lang="ko-KR" altLang="en-US" smtClean="0"/>
-              <a:t>2019-09-01</a:t>
+              <a:t>2020-12-28</a:t>
             </a:fld>
             <a:endParaRPr lang="ko-KR" altLang="en-US"/>
           </a:p>
@@ -2387,7 +2387,7 @@
           <a:p>
             <a:fld id="{FB30EDBD-1C2D-4C1E-B459-B60219FAB484}" type="datetimeFigureOut">
               <a:rPr lang="ko-KR" altLang="en-US" smtClean="0"/>
-              <a:t>2019-09-01</a:t>
+              <a:t>2020-12-28</a:t>
             </a:fld>
             <a:endParaRPr lang="ko-KR" altLang="en-US"/>
           </a:p>
@@ -2499,7 +2499,7 @@
           <a:p>
             <a:fld id="{FB30EDBD-1C2D-4C1E-B459-B60219FAB484}" type="datetimeFigureOut">
               <a:rPr lang="ko-KR" altLang="en-US" smtClean="0"/>
-              <a:t>2019-09-01</a:t>
+              <a:t>2020-12-28</a:t>
             </a:fld>
             <a:endParaRPr lang="ko-KR" altLang="en-US"/>
           </a:p>
@@ -2589,7 +2589,7 @@
           <a:p>
             <a:fld id="{FB30EDBD-1C2D-4C1E-B459-B60219FAB484}" type="datetimeFigureOut">
               <a:rPr lang="ko-KR" altLang="en-US" smtClean="0"/>
-              <a:t>2019-09-01</a:t>
+              <a:t>2020-12-28</a:t>
             </a:fld>
             <a:endParaRPr lang="ko-KR" altLang="en-US"/>
           </a:p>
@@ -2859,7 +2859,7 @@
           <a:p>
             <a:fld id="{FB30EDBD-1C2D-4C1E-B459-B60219FAB484}" type="datetimeFigureOut">
               <a:rPr lang="ko-KR" altLang="en-US" smtClean="0"/>
-              <a:t>2019-09-01</a:t>
+              <a:t>2020-12-28</a:t>
             </a:fld>
             <a:endParaRPr lang="ko-KR" altLang="en-US"/>
           </a:p>
@@ -3106,7 +3106,7 @@
           <a:p>
             <a:fld id="{FB30EDBD-1C2D-4C1E-B459-B60219FAB484}" type="datetimeFigureOut">
               <a:rPr lang="ko-KR" altLang="en-US" smtClean="0"/>
-              <a:t>2019-09-01</a:t>
+              <a:t>2020-12-28</a:t>
             </a:fld>
             <a:endParaRPr lang="ko-KR" altLang="en-US"/>
           </a:p>
@@ -3312,7 +3312,7 @@
           <a:p>
             <a:fld id="{FB30EDBD-1C2D-4C1E-B459-B60219FAB484}" type="datetimeFigureOut">
               <a:rPr lang="ko-KR" altLang="en-US" smtClean="0"/>
-              <a:t>2019-09-01</a:t>
+              <a:t>2020-12-28</a:t>
             </a:fld>
             <a:endParaRPr lang="ko-KR" altLang="en-US"/>
           </a:p>

--- a/images/theory_analysis/istio_Architecture/istio_Architecture.pptx
+++ b/images/theory_analysis/istio_Architecture/istio_Architecture.pptx
@@ -5,13 +5,14 @@
     <p:sldMasterId id="2147483648" r:id="rId1"/>
   </p:sldMasterIdLst>
   <p:notesMasterIdLst>
-    <p:notesMasterId r:id="rId6"/>
+    <p:notesMasterId r:id="rId7"/>
   </p:notesMasterIdLst>
   <p:sldIdLst>
     <p:sldId id="386" r:id="rId2"/>
-    <p:sldId id="387" r:id="rId3"/>
-    <p:sldId id="385" r:id="rId4"/>
-    <p:sldId id="384" r:id="rId5"/>
+    <p:sldId id="388" r:id="rId3"/>
+    <p:sldId id="387" r:id="rId4"/>
+    <p:sldId id="385" r:id="rId5"/>
+    <p:sldId id="384" r:id="rId6"/>
   </p:sldIdLst>
   <p:sldSz cx="9144000" cy="5143500" type="screen16x9"/>
   <p:notesSz cx="6858000" cy="9144000"/>
@@ -174,6 +175,20 @@
 </p:cmLst>
 </file>
 
+<file path=ppt/comments/comment3.xml><?xml version="1.0" encoding="utf-8"?>
+<p:cmLst xmlns:a="http://schemas.openxmlformats.org/drawingml/2006/main" xmlns:r="http://schemas.openxmlformats.org/officeDocument/2006/relationships" xmlns:p="http://schemas.openxmlformats.org/presentationml/2006/main">
+  <p:cm authorId="1" dt="2018-12-01T11:44:36.140" idx="1">
+    <p:pos x="10" y="10"/>
+    <p:text/>
+    <p:extLst>
+      <p:ext uri="{C676402C-5697-4E1C-873F-D02D1690AC5C}">
+        <p15:threadingInfo xmlns:p15="http://schemas.microsoft.com/office/powerpoint/2012/main" timeZoneBias="-540"/>
+      </p:ext>
+    </p:extLst>
+  </p:cm>
+</p:cmLst>
+</file>
+
 <file path=ppt/notesMasters/notesMaster1.xml><?xml version="1.0" encoding="utf-8"?>
 <p:notesMaster xmlns:a="http://schemas.openxmlformats.org/drawingml/2006/main" xmlns:r="http://schemas.openxmlformats.org/officeDocument/2006/relationships" xmlns:p="http://schemas.openxmlformats.org/presentationml/2006/main">
   <p:cSld>
@@ -256,7 +271,7 @@
           <a:p>
             <a:fld id="{6CD5550B-26C4-49A9-A5BA-636EF7BE6CE9}" type="datetimeFigureOut">
               <a:rPr lang="ko-KR" altLang="en-US" smtClean="0"/>
-              <a:t>2020-12-28</a:t>
+              <a:t>2020-12-30</a:t>
             </a:fld>
             <a:endParaRPr lang="ko-KR" altLang="en-US"/>
           </a:p>
@@ -672,7 +687,7 @@
           <a:p>
             <a:fld id="{BA5DFA43-8D57-47FB-BC46-057616015C3B}" type="slidenum">
               <a:rPr lang="ko-KR" altLang="en-US" smtClean="0"/>
-              <a:t>3</a:t>
+              <a:t>2</a:t>
             </a:fld>
             <a:endParaRPr lang="ko-KR" altLang="en-US"/>
           </a:p>
@@ -681,7 +696,7 @@
     </p:spTree>
     <p:extLst>
       <p:ext uri="{BB962C8B-B14F-4D97-AF65-F5344CB8AC3E}">
-        <p14:creationId xmlns:p14="http://schemas.microsoft.com/office/powerpoint/2010/main" val="1575219440"/>
+        <p14:creationId xmlns:p14="http://schemas.microsoft.com/office/powerpoint/2010/main" val="3618589968"/>
       </p:ext>
     </p:extLst>
   </p:cSld>
@@ -757,6 +772,90 @@
             <a:fld id="{BA5DFA43-8D57-47FB-BC46-057616015C3B}" type="slidenum">
               <a:rPr lang="ko-KR" altLang="en-US" smtClean="0"/>
               <a:t>4</a:t>
+            </a:fld>
+            <a:endParaRPr lang="ko-KR" altLang="en-US"/>
+          </a:p>
+        </p:txBody>
+      </p:sp>
+    </p:spTree>
+    <p:extLst>
+      <p:ext uri="{BB962C8B-B14F-4D97-AF65-F5344CB8AC3E}">
+        <p14:creationId xmlns:p14="http://schemas.microsoft.com/office/powerpoint/2010/main" val="1575219440"/>
+      </p:ext>
+    </p:extLst>
+  </p:cSld>
+  <p:clrMapOvr>
+    <a:masterClrMapping/>
+  </p:clrMapOvr>
+</p:notes>
+</file>
+
+<file path=ppt/notesSlides/notesSlide4.xml><?xml version="1.0" encoding="utf-8"?>
+<p:notes xmlns:a="http://schemas.openxmlformats.org/drawingml/2006/main" xmlns:r="http://schemas.openxmlformats.org/officeDocument/2006/relationships" xmlns:p="http://schemas.openxmlformats.org/presentationml/2006/main">
+  <p:cSld>
+    <p:spTree>
+      <p:nvGrpSpPr>
+        <p:cNvPr id="1" name=""/>
+        <p:cNvGrpSpPr/>
+        <p:nvPr/>
+      </p:nvGrpSpPr>
+      <p:grpSpPr>
+        <a:xfrm>
+          <a:off x="0" y="0"/>
+          <a:ext cx="0" cy="0"/>
+          <a:chOff x="0" y="0"/>
+          <a:chExt cx="0" cy="0"/>
+        </a:xfrm>
+      </p:grpSpPr>
+      <p:sp>
+        <p:nvSpPr>
+          <p:cNvPr id="2" name="슬라이드 이미지 개체 틀 1"/>
+          <p:cNvSpPr>
+            <a:spLocks noGrp="1" noRot="1" noChangeAspect="1"/>
+          </p:cNvSpPr>
+          <p:nvPr>
+            <p:ph type="sldImg"/>
+          </p:nvPr>
+        </p:nvSpPr>
+        <p:spPr/>
+      </p:sp>
+      <p:sp>
+        <p:nvSpPr>
+          <p:cNvPr id="3" name="슬라이드 노트 개체 틀 2"/>
+          <p:cNvSpPr>
+            <a:spLocks noGrp="1"/>
+          </p:cNvSpPr>
+          <p:nvPr>
+            <p:ph type="body" idx="1"/>
+          </p:nvPr>
+        </p:nvSpPr>
+        <p:spPr/>
+        <p:txBody>
+          <a:bodyPr/>
+          <a:lstStyle/>
+          <a:p>
+            <a:endParaRPr lang="ko-KR" altLang="en-US" dirty="0"/>
+          </a:p>
+        </p:txBody>
+      </p:sp>
+      <p:sp>
+        <p:nvSpPr>
+          <p:cNvPr id="4" name="슬라이드 번호 개체 틀 3"/>
+          <p:cNvSpPr>
+            <a:spLocks noGrp="1"/>
+          </p:cNvSpPr>
+          <p:nvPr>
+            <p:ph type="sldNum" sz="quarter" idx="10"/>
+          </p:nvPr>
+        </p:nvSpPr>
+        <p:spPr/>
+        <p:txBody>
+          <a:bodyPr/>
+          <a:lstStyle/>
+          <a:p>
+            <a:fld id="{BA5DFA43-8D57-47FB-BC46-057616015C3B}" type="slidenum">
+              <a:rPr lang="ko-KR" altLang="en-US" smtClean="0"/>
+              <a:t>5</a:t>
             </a:fld>
             <a:endParaRPr lang="ko-KR" altLang="en-US"/>
           </a:p>
@@ -954,7 +1053,7 @@
           <a:p>
             <a:fld id="{FB30EDBD-1C2D-4C1E-B459-B60219FAB484}" type="datetimeFigureOut">
               <a:rPr lang="ko-KR" altLang="en-US" smtClean="0"/>
-              <a:t>2020-12-28</a:t>
+              <a:t>2020-12-30</a:t>
             </a:fld>
             <a:endParaRPr lang="ko-KR" altLang="en-US"/>
           </a:p>
@@ -1117,7 +1216,7 @@
           <a:p>
             <a:fld id="{FB30EDBD-1C2D-4C1E-B459-B60219FAB484}" type="datetimeFigureOut">
               <a:rPr lang="ko-KR" altLang="en-US" smtClean="0"/>
-              <a:t>2020-12-28</a:t>
+              <a:t>2020-12-30</a:t>
             </a:fld>
             <a:endParaRPr lang="ko-KR" altLang="en-US"/>
           </a:p>
@@ -1290,7 +1389,7 @@
           <a:p>
             <a:fld id="{FB30EDBD-1C2D-4C1E-B459-B60219FAB484}" type="datetimeFigureOut">
               <a:rPr lang="ko-KR" altLang="en-US" smtClean="0"/>
-              <a:t>2020-12-28</a:t>
+              <a:t>2020-12-30</a:t>
             </a:fld>
             <a:endParaRPr lang="ko-KR" altLang="en-US"/>
           </a:p>
@@ -1453,7 +1552,7 @@
           <a:p>
             <a:fld id="{FB30EDBD-1C2D-4C1E-B459-B60219FAB484}" type="datetimeFigureOut">
               <a:rPr lang="ko-KR" altLang="en-US" smtClean="0"/>
-              <a:t>2020-12-28</a:t>
+              <a:t>2020-12-30</a:t>
             </a:fld>
             <a:endParaRPr lang="ko-KR" altLang="en-US"/>
           </a:p>
@@ -1693,7 +1792,7 @@
           <a:p>
             <a:fld id="{FB30EDBD-1C2D-4C1E-B459-B60219FAB484}" type="datetimeFigureOut">
               <a:rPr lang="ko-KR" altLang="en-US" smtClean="0"/>
-              <a:t>2020-12-28</a:t>
+              <a:t>2020-12-30</a:t>
             </a:fld>
             <a:endParaRPr lang="ko-KR" altLang="en-US"/>
           </a:p>
@@ -1973,7 +2072,7 @@
           <a:p>
             <a:fld id="{FB30EDBD-1C2D-4C1E-B459-B60219FAB484}" type="datetimeFigureOut">
               <a:rPr lang="ko-KR" altLang="en-US" smtClean="0"/>
-              <a:t>2020-12-28</a:t>
+              <a:t>2020-12-30</a:t>
             </a:fld>
             <a:endParaRPr lang="ko-KR" altLang="en-US"/>
           </a:p>
@@ -2387,7 +2486,7 @@
           <a:p>
             <a:fld id="{FB30EDBD-1C2D-4C1E-B459-B60219FAB484}" type="datetimeFigureOut">
               <a:rPr lang="ko-KR" altLang="en-US" smtClean="0"/>
-              <a:t>2020-12-28</a:t>
+              <a:t>2020-12-30</a:t>
             </a:fld>
             <a:endParaRPr lang="ko-KR" altLang="en-US"/>
           </a:p>
@@ -2499,7 +2598,7 @@
           <a:p>
             <a:fld id="{FB30EDBD-1C2D-4C1E-B459-B60219FAB484}" type="datetimeFigureOut">
               <a:rPr lang="ko-KR" altLang="en-US" smtClean="0"/>
-              <a:t>2020-12-28</a:t>
+              <a:t>2020-12-30</a:t>
             </a:fld>
             <a:endParaRPr lang="ko-KR" altLang="en-US"/>
           </a:p>
@@ -2589,7 +2688,7 @@
           <a:p>
             <a:fld id="{FB30EDBD-1C2D-4C1E-B459-B60219FAB484}" type="datetimeFigureOut">
               <a:rPr lang="ko-KR" altLang="en-US" smtClean="0"/>
-              <a:t>2020-12-28</a:t>
+              <a:t>2020-12-30</a:t>
             </a:fld>
             <a:endParaRPr lang="ko-KR" altLang="en-US"/>
           </a:p>
@@ -2859,7 +2958,7 @@
           <a:p>
             <a:fld id="{FB30EDBD-1C2D-4C1E-B459-B60219FAB484}" type="datetimeFigureOut">
               <a:rPr lang="ko-KR" altLang="en-US" smtClean="0"/>
-              <a:t>2020-12-28</a:t>
+              <a:t>2020-12-30</a:t>
             </a:fld>
             <a:endParaRPr lang="ko-KR" altLang="en-US"/>
           </a:p>
@@ -3106,7 +3205,7 @@
           <a:p>
             <a:fld id="{FB30EDBD-1C2D-4C1E-B459-B60219FAB484}" type="datetimeFigureOut">
               <a:rPr lang="ko-KR" altLang="en-US" smtClean="0"/>
-              <a:t>2020-12-28</a:t>
+              <a:t>2020-12-30</a:t>
             </a:fld>
             <a:endParaRPr lang="ko-KR" altLang="en-US"/>
           </a:p>
@@ -3312,7 +3411,7 @@
           <a:p>
             <a:fld id="{FB30EDBD-1C2D-4C1E-B459-B60219FAB484}" type="datetimeFigureOut">
               <a:rPr lang="ko-KR" altLang="en-US" smtClean="0"/>
-              <a:t>2020-12-28</a:t>
+              <a:t>2020-12-30</a:t>
             </a:fld>
             <a:endParaRPr lang="ko-KR" altLang="en-US"/>
           </a:p>
@@ -3762,7 +3861,7 @@
             <a:pPr algn="ctr"/>
             <a:r>
               <a:rPr lang="en-US" altLang="ko-KR" sz="1400"/>
-              <a:t>istio Mixer</a:t>
+              <a:t>Istio Mixer</a:t>
             </a:r>
             <a:endParaRPr lang="ko-KR" altLang="en-US" sz="1400"/>
           </a:p>
@@ -3810,7 +3909,7 @@
             <a:pPr algn="ctr"/>
             <a:r>
               <a:rPr lang="en-US" altLang="ko-KR" sz="1400"/>
-              <a:t>istio Pilot</a:t>
+              <a:t>Istio Pilot</a:t>
             </a:r>
             <a:endParaRPr lang="ko-KR" altLang="en-US" sz="1400"/>
           </a:p>
@@ -3858,7 +3957,7 @@
             <a:pPr algn="ctr"/>
             <a:r>
               <a:rPr lang="en-US" altLang="ko-KR" sz="1400"/>
-              <a:t>istio Citadel</a:t>
+              <a:t>Istio Citadel</a:t>
             </a:r>
             <a:endParaRPr lang="ko-KR" altLang="en-US" sz="1400"/>
           </a:p>
@@ -4074,7 +4173,7 @@
             <a:pPr algn="ctr"/>
             <a:r>
               <a:rPr lang="en-US" altLang="ko-KR" sz="1400"/>
-              <a:t>istio Gallery</a:t>
+              <a:t>Istio Gallery</a:t>
             </a:r>
             <a:endParaRPr lang="ko-KR" altLang="en-US" sz="1400"/>
           </a:p>
@@ -5063,8 +5162,8 @@
         </p:nvSpPr>
         <p:spPr>
           <a:xfrm>
-            <a:off x="5807362" y="976425"/>
-            <a:ext cx="854200" cy="272692"/>
+            <a:off x="5767104" y="976424"/>
+            <a:ext cx="1109152" cy="335861"/>
           </a:xfrm>
           <a:prstGeom prst="roundRect">
             <a:avLst/>
@@ -5091,9 +5190,15 @@
             <a:pPr algn="ctr"/>
             <a:r>
               <a:rPr lang="en-US" altLang="ko-KR" sz="1100"/>
-              <a:t>Adaptor</a:t>
-            </a:r>
-            <a:endParaRPr lang="ko-KR" altLang="en-US" sz="1100"/>
+              <a:t>Prometheus</a:t>
+            </a:r>
+          </a:p>
+          <a:p>
+            <a:pPr algn="ctr"/>
+            <a:r>
+              <a:rPr lang="en-US" altLang="ko-KR" sz="1100"/>
+              <a:t>(Adaptor)</a:t>
+            </a:r>
           </a:p>
         </p:txBody>
       </p:sp>
@@ -5111,8 +5216,8 @@
         </p:nvSpPr>
         <p:spPr>
           <a:xfrm>
-            <a:off x="5807362" y="1430536"/>
-            <a:ext cx="854200" cy="272692"/>
+            <a:off x="5767104" y="1430535"/>
+            <a:ext cx="1109152" cy="335861"/>
           </a:xfrm>
           <a:prstGeom prst="roundRect">
             <a:avLst/>
@@ -5139,7 +5244,14 @@
             <a:pPr algn="ctr"/>
             <a:r>
               <a:rPr lang="en-US" altLang="ko-KR" sz="1100"/>
-              <a:t>Adaptor</a:t>
+              <a:t>Stackdriver</a:t>
+            </a:r>
+          </a:p>
+          <a:p>
+            <a:pPr algn="ctr"/>
+            <a:r>
+              <a:rPr lang="en-US" altLang="ko-KR" sz="1100"/>
+              <a:t>(Adaptor)</a:t>
             </a:r>
             <a:endParaRPr lang="ko-KR" altLang="en-US" sz="1100"/>
           </a:p>
@@ -5163,8 +5275,8 @@
         </p:nvCxnSpPr>
         <p:spPr>
           <a:xfrm flipV="1">
-            <a:off x="5220072" y="1112771"/>
-            <a:ext cx="587290" cy="772690"/>
+            <a:off x="5220072" y="1144355"/>
+            <a:ext cx="547032" cy="741106"/>
           </a:xfrm>
           <a:prstGeom prst="straightConnector1">
             <a:avLst/>
@@ -5210,8 +5322,8 @@
         </p:nvCxnSpPr>
         <p:spPr>
           <a:xfrm flipV="1">
-            <a:off x="5220072" y="1566882"/>
-            <a:ext cx="587290" cy="318579"/>
+            <a:off x="5220072" y="1598466"/>
+            <a:ext cx="547032" cy="286995"/>
           </a:xfrm>
           <a:prstGeom prst="straightConnector1">
             <a:avLst/>
@@ -5308,13 +5420,55 @@
       </p:grpSpPr>
       <p:sp>
         <p:nvSpPr>
-          <p:cNvPr id="2" name="제목 1">
-            <a:extLst>
-              <a:ext uri="{FF2B5EF4-FFF2-40B4-BE49-F238E27FC236}">
-                <a16:creationId xmlns:a16="http://schemas.microsoft.com/office/drawing/2014/main" id="{8FCDAF6F-36A8-4218-B6A6-DDEC7E90E757}"/>
-              </a:ext>
-            </a:extLst>
-          </p:cNvPr>
+          <p:cNvPr id="43" name="사각형: 둥근 모서리 42">
+            <a:extLst>
+              <a:ext uri="{FF2B5EF4-FFF2-40B4-BE49-F238E27FC236}">
+                <a16:creationId xmlns:a16="http://schemas.microsoft.com/office/drawing/2014/main" id="{7CB2DE4D-9961-4311-BF58-3C5512252A22}"/>
+              </a:ext>
+            </a:extLst>
+          </p:cNvPr>
+          <p:cNvSpPr/>
+          <p:nvPr/>
+        </p:nvSpPr>
+        <p:spPr>
+          <a:xfrm>
+            <a:off x="2195736" y="1521060"/>
+            <a:ext cx="4752528" cy="762658"/>
+          </a:xfrm>
+          <a:prstGeom prst="roundRect">
+            <a:avLst/>
+          </a:prstGeom>
+        </p:spPr>
+        <p:style>
+          <a:lnRef idx="2">
+            <a:schemeClr val="dk1"/>
+          </a:lnRef>
+          <a:fillRef idx="1">
+            <a:schemeClr val="lt1"/>
+          </a:fillRef>
+          <a:effectRef idx="0">
+            <a:schemeClr val="dk1"/>
+          </a:effectRef>
+          <a:fontRef idx="minor">
+            <a:schemeClr val="dk1"/>
+          </a:fontRef>
+        </p:style>
+        <p:txBody>
+          <a:bodyPr rtlCol="0" anchor="t"/>
+          <a:lstStyle/>
+          <a:p>
+            <a:pPr algn="ctr"/>
+            <a:r>
+              <a:rPr lang="en-US" altLang="ko-KR" sz="1400"/>
+              <a:t>Istiod</a:t>
+            </a:r>
+            <a:endParaRPr lang="ko-KR" altLang="en-US" sz="1400"/>
+          </a:p>
+        </p:txBody>
+      </p:sp>
+      <p:sp>
+        <p:nvSpPr>
+          <p:cNvPr id="6" name="제목 1"/>
           <p:cNvSpPr>
             <a:spLocks noGrp="1"/>
           </p:cNvSpPr>
@@ -5322,44 +5476,1409 @@
             <p:ph type="title"/>
           </p:nvPr>
         </p:nvSpPr>
-        <p:spPr/>
-        <p:txBody>
-          <a:bodyPr/>
-          <a:lstStyle/>
-          <a:p>
-            <a:endParaRPr lang="ko-KR" altLang="en-US"/>
-          </a:p>
-        </p:txBody>
-      </p:sp>
-      <p:sp>
-        <p:nvSpPr>
-          <p:cNvPr id="3" name="내용 개체 틀 2">
-            <a:extLst>
-              <a:ext uri="{FF2B5EF4-FFF2-40B4-BE49-F238E27FC236}">
-                <a16:creationId xmlns:a16="http://schemas.microsoft.com/office/drawing/2014/main" id="{23DAEA3F-4B24-4A62-8C09-1B4372D308AE}"/>
-              </a:ext>
-            </a:extLst>
-          </p:cNvPr>
-          <p:cNvSpPr>
-            <a:spLocks noGrp="1"/>
-          </p:cNvSpPr>
-          <p:nvPr>
-            <p:ph idx="1"/>
-          </p:nvPr>
-        </p:nvSpPr>
-        <p:spPr/>
-        <p:txBody>
-          <a:bodyPr/>
-          <a:lstStyle/>
-          <a:p>
-            <a:endParaRPr lang="ko-KR" altLang="en-US"/>
+        <p:spPr>
+          <a:xfrm>
+            <a:off x="457200" y="-20538"/>
+            <a:ext cx="8229600" cy="857250"/>
+          </a:xfrm>
+        </p:spPr>
+        <p:txBody>
+          <a:bodyPr>
+            <a:normAutofit/>
+          </a:bodyPr>
+          <a:lstStyle/>
+          <a:p>
+            <a:r>
+              <a:rPr lang="en-US" altLang="ko-KR"/>
+              <a:t>istio</a:t>
+            </a:r>
+            <a:r>
+              <a:rPr lang="ko-KR" altLang="en-US"/>
+              <a:t> </a:t>
+            </a:r>
+            <a:r>
+              <a:rPr lang="en-US" altLang="ko-KR"/>
+              <a:t>Architecture</a:t>
+            </a:r>
+            <a:endParaRPr lang="ko-KR" altLang="en-US" dirty="0"/>
+          </a:p>
+        </p:txBody>
+      </p:sp>
+      <p:sp>
+        <p:nvSpPr>
+          <p:cNvPr id="21" name="사각형: 둥근 모서리 20">
+            <a:extLst>
+              <a:ext uri="{FF2B5EF4-FFF2-40B4-BE49-F238E27FC236}">
+                <a16:creationId xmlns:a16="http://schemas.microsoft.com/office/drawing/2014/main" id="{04B72369-51D5-45BF-AB20-4F4B938CB4B6}"/>
+              </a:ext>
+            </a:extLst>
+          </p:cNvPr>
+          <p:cNvSpPr/>
+          <p:nvPr/>
+        </p:nvSpPr>
+        <p:spPr>
+          <a:xfrm>
+            <a:off x="2267744" y="1853973"/>
+            <a:ext cx="1296144" cy="364466"/>
+          </a:xfrm>
+          <a:prstGeom prst="roundRect">
+            <a:avLst/>
+          </a:prstGeom>
+        </p:spPr>
+        <p:style>
+          <a:lnRef idx="2">
+            <a:schemeClr val="dk1"/>
+          </a:lnRef>
+          <a:fillRef idx="1">
+            <a:schemeClr val="lt1"/>
+          </a:fillRef>
+          <a:effectRef idx="0">
+            <a:schemeClr val="dk1"/>
+          </a:effectRef>
+          <a:fontRef idx="minor">
+            <a:schemeClr val="dk1"/>
+          </a:fontRef>
+        </p:style>
+        <p:txBody>
+          <a:bodyPr rtlCol="0" anchor="ctr"/>
+          <a:lstStyle/>
+          <a:p>
+            <a:pPr algn="ctr"/>
+            <a:r>
+              <a:rPr lang="en-US" altLang="ko-KR" sz="1400"/>
+              <a:t>Istio Pilot</a:t>
+            </a:r>
+            <a:endParaRPr lang="ko-KR" altLang="en-US" sz="1400"/>
+          </a:p>
+        </p:txBody>
+      </p:sp>
+      <p:sp>
+        <p:nvSpPr>
+          <p:cNvPr id="22" name="사각형: 둥근 모서리 21">
+            <a:extLst>
+              <a:ext uri="{FF2B5EF4-FFF2-40B4-BE49-F238E27FC236}">
+                <a16:creationId xmlns:a16="http://schemas.microsoft.com/office/drawing/2014/main" id="{D4A94E02-059D-4272-BD32-F0B10A2A4A21}"/>
+              </a:ext>
+            </a:extLst>
+          </p:cNvPr>
+          <p:cNvSpPr/>
+          <p:nvPr/>
+        </p:nvSpPr>
+        <p:spPr>
+          <a:xfrm>
+            <a:off x="5580112" y="1853973"/>
+            <a:ext cx="1296144" cy="364466"/>
+          </a:xfrm>
+          <a:prstGeom prst="roundRect">
+            <a:avLst/>
+          </a:prstGeom>
+        </p:spPr>
+        <p:style>
+          <a:lnRef idx="2">
+            <a:schemeClr val="dk1"/>
+          </a:lnRef>
+          <a:fillRef idx="1">
+            <a:schemeClr val="lt1"/>
+          </a:fillRef>
+          <a:effectRef idx="0">
+            <a:schemeClr val="dk1"/>
+          </a:effectRef>
+          <a:fontRef idx="minor">
+            <a:schemeClr val="dk1"/>
+          </a:fontRef>
+        </p:style>
+        <p:txBody>
+          <a:bodyPr rtlCol="0" anchor="ctr"/>
+          <a:lstStyle/>
+          <a:p>
+            <a:pPr algn="ctr"/>
+            <a:r>
+              <a:rPr lang="en-US" altLang="ko-KR" sz="1400"/>
+              <a:t>Istio Citadel</a:t>
+            </a:r>
+            <a:endParaRPr lang="ko-KR" altLang="en-US" sz="1400"/>
+          </a:p>
+        </p:txBody>
+      </p:sp>
+      <p:cxnSp>
+        <p:nvCxnSpPr>
+          <p:cNvPr id="23" name="직선 연결선 22">
+            <a:extLst>
+              <a:ext uri="{FF2B5EF4-FFF2-40B4-BE49-F238E27FC236}">
+                <a16:creationId xmlns:a16="http://schemas.microsoft.com/office/drawing/2014/main" id="{58B3AB51-60C9-4118-B310-128518CD3834}"/>
+              </a:ext>
+            </a:extLst>
+          </p:cNvPr>
+          <p:cNvCxnSpPr>
+            <a:cxnSpLocks/>
+          </p:cNvCxnSpPr>
+          <p:nvPr/>
+        </p:nvCxnSpPr>
+        <p:spPr>
+          <a:xfrm>
+            <a:off x="755576" y="2747213"/>
+            <a:ext cx="7704856" cy="0"/>
+          </a:xfrm>
+          <a:prstGeom prst="line">
+            <a:avLst/>
+          </a:prstGeom>
+          <a:ln w="28575">
+            <a:solidFill>
+              <a:schemeClr val="tx1"/>
+            </a:solidFill>
+            <a:prstDash val="dash"/>
+          </a:ln>
+        </p:spPr>
+        <p:style>
+          <a:lnRef idx="1">
+            <a:schemeClr val="accent1"/>
+          </a:lnRef>
+          <a:fillRef idx="0">
+            <a:schemeClr val="accent1"/>
+          </a:fillRef>
+          <a:effectRef idx="0">
+            <a:schemeClr val="accent1"/>
+          </a:effectRef>
+          <a:fontRef idx="minor">
+            <a:schemeClr val="tx1"/>
+          </a:fontRef>
+        </p:style>
+      </p:cxnSp>
+      <p:sp>
+        <p:nvSpPr>
+          <p:cNvPr id="28" name="TextBox 27">
+            <a:extLst>
+              <a:ext uri="{FF2B5EF4-FFF2-40B4-BE49-F238E27FC236}">
+                <a16:creationId xmlns:a16="http://schemas.microsoft.com/office/drawing/2014/main" id="{A80D33ED-2E69-4893-87A4-EF3EE787BEB1}"/>
+              </a:ext>
+            </a:extLst>
+          </p:cNvPr>
+          <p:cNvSpPr txBox="1"/>
+          <p:nvPr/>
+        </p:nvSpPr>
+        <p:spPr>
+          <a:xfrm>
+            <a:off x="546118" y="2357849"/>
+            <a:ext cx="1937650" cy="307777"/>
+          </a:xfrm>
+          <a:prstGeom prst="rect">
+            <a:avLst/>
+          </a:prstGeom>
+          <a:noFill/>
+        </p:spPr>
+        <p:txBody>
+          <a:bodyPr wrap="square" rtlCol="0" anchor="ctr">
+            <a:spAutoFit/>
+          </a:bodyPr>
+          <a:lstStyle/>
+          <a:p>
+            <a:pPr algn="ctr"/>
+            <a:r>
+              <a:rPr lang="en-US" altLang="ko-KR" sz="1400" b="1"/>
+              <a:t>Control Plan</a:t>
+            </a:r>
+            <a:endParaRPr lang="ko-KR" altLang="en-US" sz="1400" b="1"/>
+          </a:p>
+        </p:txBody>
+      </p:sp>
+      <p:sp>
+        <p:nvSpPr>
+          <p:cNvPr id="29" name="TextBox 28">
+            <a:extLst>
+              <a:ext uri="{FF2B5EF4-FFF2-40B4-BE49-F238E27FC236}">
+                <a16:creationId xmlns:a16="http://schemas.microsoft.com/office/drawing/2014/main" id="{5D9CD06F-DAFF-4CDA-AEBD-F572E62D88B8}"/>
+              </a:ext>
+            </a:extLst>
+          </p:cNvPr>
+          <p:cNvSpPr txBox="1"/>
+          <p:nvPr/>
+        </p:nvSpPr>
+        <p:spPr>
+          <a:xfrm>
+            <a:off x="546118" y="2815532"/>
+            <a:ext cx="1937650" cy="307777"/>
+          </a:xfrm>
+          <a:prstGeom prst="rect">
+            <a:avLst/>
+          </a:prstGeom>
+          <a:noFill/>
+        </p:spPr>
+        <p:txBody>
+          <a:bodyPr wrap="square" rtlCol="0" anchor="ctr">
+            <a:spAutoFit/>
+          </a:bodyPr>
+          <a:lstStyle/>
+          <a:p>
+            <a:pPr algn="ctr"/>
+            <a:r>
+              <a:rPr lang="en-US" altLang="ko-KR" sz="1400" b="1"/>
+              <a:t>Data Plan</a:t>
+            </a:r>
+            <a:endParaRPr lang="ko-KR" altLang="en-US" sz="1400" b="1"/>
+          </a:p>
+        </p:txBody>
+      </p:sp>
+      <p:sp>
+        <p:nvSpPr>
+          <p:cNvPr id="30" name="사각형: 둥근 모서리 29">
+            <a:extLst>
+              <a:ext uri="{FF2B5EF4-FFF2-40B4-BE49-F238E27FC236}">
+                <a16:creationId xmlns:a16="http://schemas.microsoft.com/office/drawing/2014/main" id="{FDAB993D-810A-43AF-B447-9826BD957539}"/>
+              </a:ext>
+            </a:extLst>
+          </p:cNvPr>
+          <p:cNvSpPr/>
+          <p:nvPr/>
+        </p:nvSpPr>
+        <p:spPr>
+          <a:xfrm>
+            <a:off x="2267742" y="3032494"/>
+            <a:ext cx="1584178" cy="1555480"/>
+          </a:xfrm>
+          <a:prstGeom prst="roundRect">
+            <a:avLst>
+              <a:gd name="adj" fmla="val 5660"/>
+            </a:avLst>
+          </a:prstGeom>
+        </p:spPr>
+        <p:style>
+          <a:lnRef idx="2">
+            <a:schemeClr val="dk1"/>
+          </a:lnRef>
+          <a:fillRef idx="1">
+            <a:schemeClr val="lt1"/>
+          </a:fillRef>
+          <a:effectRef idx="0">
+            <a:schemeClr val="dk1"/>
+          </a:effectRef>
+          <a:fontRef idx="minor">
+            <a:schemeClr val="dk1"/>
+          </a:fontRef>
+        </p:style>
+        <p:txBody>
+          <a:bodyPr rtlCol="0" anchor="b"/>
+          <a:lstStyle/>
+          <a:p>
+            <a:pPr algn="ctr"/>
+            <a:r>
+              <a:rPr lang="en-US" altLang="ko-KR" sz="1400"/>
+              <a:t>Pod</a:t>
+            </a:r>
+            <a:endParaRPr lang="ko-KR" altLang="en-US" sz="1400"/>
+          </a:p>
+        </p:txBody>
+      </p:sp>
+      <p:sp>
+        <p:nvSpPr>
+          <p:cNvPr id="10" name="사각형: 둥근 모서리 9">
+            <a:extLst>
+              <a:ext uri="{FF2B5EF4-FFF2-40B4-BE49-F238E27FC236}">
+                <a16:creationId xmlns:a16="http://schemas.microsoft.com/office/drawing/2014/main" id="{61193B69-8AE4-46C8-8DE5-9DC6FFEAD8BA}"/>
+              </a:ext>
+            </a:extLst>
+          </p:cNvPr>
+          <p:cNvSpPr/>
+          <p:nvPr/>
+        </p:nvSpPr>
+        <p:spPr>
+          <a:xfrm>
+            <a:off x="3931021" y="1854777"/>
+            <a:ext cx="1296144" cy="364466"/>
+          </a:xfrm>
+          <a:prstGeom prst="roundRect">
+            <a:avLst/>
+          </a:prstGeom>
+        </p:spPr>
+        <p:style>
+          <a:lnRef idx="2">
+            <a:schemeClr val="dk1"/>
+          </a:lnRef>
+          <a:fillRef idx="1">
+            <a:schemeClr val="lt1"/>
+          </a:fillRef>
+          <a:effectRef idx="0">
+            <a:schemeClr val="dk1"/>
+          </a:effectRef>
+          <a:fontRef idx="minor">
+            <a:schemeClr val="dk1"/>
+          </a:fontRef>
+        </p:style>
+        <p:txBody>
+          <a:bodyPr rtlCol="0" anchor="ctr"/>
+          <a:lstStyle/>
+          <a:p>
+            <a:pPr algn="ctr"/>
+            <a:r>
+              <a:rPr lang="en-US" altLang="ko-KR" sz="1400"/>
+              <a:t>Istio Gallery</a:t>
+            </a:r>
+            <a:endParaRPr lang="ko-KR" altLang="en-US" sz="1400"/>
+          </a:p>
+        </p:txBody>
+      </p:sp>
+      <p:sp>
+        <p:nvSpPr>
+          <p:cNvPr id="11" name="사각형: 둥근 모서리 10">
+            <a:extLst>
+              <a:ext uri="{FF2B5EF4-FFF2-40B4-BE49-F238E27FC236}">
+                <a16:creationId xmlns:a16="http://schemas.microsoft.com/office/drawing/2014/main" id="{D8946450-F94A-47A3-A7A0-768126968021}"/>
+              </a:ext>
+            </a:extLst>
+          </p:cNvPr>
+          <p:cNvSpPr/>
+          <p:nvPr/>
+        </p:nvSpPr>
+        <p:spPr>
+          <a:xfrm>
+            <a:off x="2379512" y="3138698"/>
+            <a:ext cx="1378311" cy="364466"/>
+          </a:xfrm>
+          <a:prstGeom prst="roundRect">
+            <a:avLst/>
+          </a:prstGeom>
+        </p:spPr>
+        <p:style>
+          <a:lnRef idx="2">
+            <a:schemeClr val="dk1"/>
+          </a:lnRef>
+          <a:fillRef idx="1">
+            <a:schemeClr val="lt1"/>
+          </a:fillRef>
+          <a:effectRef idx="0">
+            <a:schemeClr val="dk1"/>
+          </a:effectRef>
+          <a:fontRef idx="minor">
+            <a:schemeClr val="dk1"/>
+          </a:fontRef>
+        </p:style>
+        <p:txBody>
+          <a:bodyPr rtlCol="0" anchor="ctr"/>
+          <a:lstStyle/>
+          <a:p>
+            <a:pPr algn="ctr"/>
+            <a:r>
+              <a:rPr lang="en-US" altLang="ko-KR" sz="1400"/>
+              <a:t>Envoy Sidecar</a:t>
+            </a:r>
+            <a:endParaRPr lang="ko-KR" altLang="en-US" sz="1400"/>
+          </a:p>
+        </p:txBody>
+      </p:sp>
+      <p:sp>
+        <p:nvSpPr>
+          <p:cNvPr id="12" name="사각형: 둥근 모서리 11">
+            <a:extLst>
+              <a:ext uri="{FF2B5EF4-FFF2-40B4-BE49-F238E27FC236}">
+                <a16:creationId xmlns:a16="http://schemas.microsoft.com/office/drawing/2014/main" id="{A05FEBB3-9237-4C4A-BBEA-ACF2D32063B2}"/>
+              </a:ext>
+            </a:extLst>
+          </p:cNvPr>
+          <p:cNvSpPr/>
+          <p:nvPr/>
+        </p:nvSpPr>
+        <p:spPr>
+          <a:xfrm>
+            <a:off x="2379512" y="3723877"/>
+            <a:ext cx="1378311" cy="504056"/>
+          </a:xfrm>
+          <a:prstGeom prst="roundRect">
+            <a:avLst>
+              <a:gd name="adj" fmla="val 8434"/>
+            </a:avLst>
+          </a:prstGeom>
+        </p:spPr>
+        <p:style>
+          <a:lnRef idx="2">
+            <a:schemeClr val="dk1"/>
+          </a:lnRef>
+          <a:fillRef idx="1">
+            <a:schemeClr val="lt1"/>
+          </a:fillRef>
+          <a:effectRef idx="0">
+            <a:schemeClr val="dk1"/>
+          </a:effectRef>
+          <a:fontRef idx="minor">
+            <a:schemeClr val="dk1"/>
+          </a:fontRef>
+        </p:style>
+        <p:txBody>
+          <a:bodyPr rtlCol="0" anchor="ctr"/>
+          <a:lstStyle/>
+          <a:p>
+            <a:pPr algn="ctr"/>
+            <a:r>
+              <a:rPr lang="en-US" altLang="ko-KR" sz="1400"/>
+              <a:t>Service A</a:t>
+            </a:r>
+            <a:endParaRPr lang="ko-KR" altLang="en-US" sz="1400"/>
+          </a:p>
+        </p:txBody>
+      </p:sp>
+      <p:sp>
+        <p:nvSpPr>
+          <p:cNvPr id="13" name="사각형: 둥근 모서리 12">
+            <a:extLst>
+              <a:ext uri="{FF2B5EF4-FFF2-40B4-BE49-F238E27FC236}">
+                <a16:creationId xmlns:a16="http://schemas.microsoft.com/office/drawing/2014/main" id="{5CBB8B62-D9CC-4293-8B0D-4DD838D053B7}"/>
+              </a:ext>
+            </a:extLst>
+          </p:cNvPr>
+          <p:cNvSpPr/>
+          <p:nvPr/>
+        </p:nvSpPr>
+        <p:spPr>
+          <a:xfrm>
+            <a:off x="5292080" y="3032494"/>
+            <a:ext cx="1584178" cy="1555480"/>
+          </a:xfrm>
+          <a:prstGeom prst="roundRect">
+            <a:avLst>
+              <a:gd name="adj" fmla="val 5660"/>
+            </a:avLst>
+          </a:prstGeom>
+        </p:spPr>
+        <p:style>
+          <a:lnRef idx="2">
+            <a:schemeClr val="dk1"/>
+          </a:lnRef>
+          <a:fillRef idx="1">
+            <a:schemeClr val="lt1"/>
+          </a:fillRef>
+          <a:effectRef idx="0">
+            <a:schemeClr val="dk1"/>
+          </a:effectRef>
+          <a:fontRef idx="minor">
+            <a:schemeClr val="dk1"/>
+          </a:fontRef>
+        </p:style>
+        <p:txBody>
+          <a:bodyPr rtlCol="0" anchor="b"/>
+          <a:lstStyle/>
+          <a:p>
+            <a:pPr algn="ctr"/>
+            <a:r>
+              <a:rPr lang="en-US" altLang="ko-KR" sz="1400"/>
+              <a:t>Pod</a:t>
+            </a:r>
+            <a:endParaRPr lang="ko-KR" altLang="en-US" sz="1400"/>
+          </a:p>
+        </p:txBody>
+      </p:sp>
+      <p:sp>
+        <p:nvSpPr>
+          <p:cNvPr id="14" name="사각형: 둥근 모서리 13">
+            <a:extLst>
+              <a:ext uri="{FF2B5EF4-FFF2-40B4-BE49-F238E27FC236}">
+                <a16:creationId xmlns:a16="http://schemas.microsoft.com/office/drawing/2014/main" id="{5C84BC6B-636B-4C3B-86BA-31EECC0CB58A}"/>
+              </a:ext>
+            </a:extLst>
+          </p:cNvPr>
+          <p:cNvSpPr/>
+          <p:nvPr/>
+        </p:nvSpPr>
+        <p:spPr>
+          <a:xfrm>
+            <a:off x="5396040" y="3138698"/>
+            <a:ext cx="1378311" cy="364466"/>
+          </a:xfrm>
+          <a:prstGeom prst="roundRect">
+            <a:avLst/>
+          </a:prstGeom>
+        </p:spPr>
+        <p:style>
+          <a:lnRef idx="2">
+            <a:schemeClr val="dk1"/>
+          </a:lnRef>
+          <a:fillRef idx="1">
+            <a:schemeClr val="lt1"/>
+          </a:fillRef>
+          <a:effectRef idx="0">
+            <a:schemeClr val="dk1"/>
+          </a:effectRef>
+          <a:fontRef idx="minor">
+            <a:schemeClr val="dk1"/>
+          </a:fontRef>
+        </p:style>
+        <p:txBody>
+          <a:bodyPr rtlCol="0" anchor="ctr"/>
+          <a:lstStyle/>
+          <a:p>
+            <a:pPr algn="ctr"/>
+            <a:r>
+              <a:rPr lang="en-US" altLang="ko-KR" sz="1400"/>
+              <a:t>Envoy Sidecar</a:t>
+            </a:r>
+            <a:endParaRPr lang="ko-KR" altLang="en-US" sz="1400"/>
+          </a:p>
+        </p:txBody>
+      </p:sp>
+      <p:sp>
+        <p:nvSpPr>
+          <p:cNvPr id="15" name="사각형: 둥근 모서리 14">
+            <a:extLst>
+              <a:ext uri="{FF2B5EF4-FFF2-40B4-BE49-F238E27FC236}">
+                <a16:creationId xmlns:a16="http://schemas.microsoft.com/office/drawing/2014/main" id="{82C8FB89-6702-4694-82CD-216649078B59}"/>
+              </a:ext>
+            </a:extLst>
+          </p:cNvPr>
+          <p:cNvSpPr/>
+          <p:nvPr/>
+        </p:nvSpPr>
+        <p:spPr>
+          <a:xfrm>
+            <a:off x="5396040" y="3723877"/>
+            <a:ext cx="1378311" cy="504056"/>
+          </a:xfrm>
+          <a:prstGeom prst="roundRect">
+            <a:avLst>
+              <a:gd name="adj" fmla="val 8434"/>
+            </a:avLst>
+          </a:prstGeom>
+        </p:spPr>
+        <p:style>
+          <a:lnRef idx="2">
+            <a:schemeClr val="dk1"/>
+          </a:lnRef>
+          <a:fillRef idx="1">
+            <a:schemeClr val="lt1"/>
+          </a:fillRef>
+          <a:effectRef idx="0">
+            <a:schemeClr val="dk1"/>
+          </a:effectRef>
+          <a:fontRef idx="minor">
+            <a:schemeClr val="dk1"/>
+          </a:fontRef>
+        </p:style>
+        <p:txBody>
+          <a:bodyPr rtlCol="0" anchor="ctr"/>
+          <a:lstStyle/>
+          <a:p>
+            <a:pPr algn="ctr"/>
+            <a:r>
+              <a:rPr lang="en-US" altLang="ko-KR" sz="1400"/>
+              <a:t>Service B</a:t>
+            </a:r>
+            <a:endParaRPr lang="ko-KR" altLang="en-US" sz="1400"/>
+          </a:p>
+        </p:txBody>
+      </p:sp>
+      <p:cxnSp>
+        <p:nvCxnSpPr>
+          <p:cNvPr id="4" name="직선 화살표 연결선 3">
+            <a:extLst>
+              <a:ext uri="{FF2B5EF4-FFF2-40B4-BE49-F238E27FC236}">
+                <a16:creationId xmlns:a16="http://schemas.microsoft.com/office/drawing/2014/main" id="{730910B9-BECA-44DA-B857-FD6B9700E337}"/>
+              </a:ext>
+            </a:extLst>
+          </p:cNvPr>
+          <p:cNvCxnSpPr>
+            <a:cxnSpLocks/>
+            <a:stCxn id="11" idx="3"/>
+            <a:endCxn id="14" idx="1"/>
+          </p:cNvCxnSpPr>
+          <p:nvPr/>
+        </p:nvCxnSpPr>
+        <p:spPr>
+          <a:xfrm>
+            <a:off x="3757823" y="3320931"/>
+            <a:ext cx="1638217" cy="0"/>
+          </a:xfrm>
+          <a:prstGeom prst="straightConnector1">
+            <a:avLst/>
+          </a:prstGeom>
+          <a:ln w="19050">
+            <a:solidFill>
+              <a:schemeClr val="tx1"/>
+            </a:solidFill>
+            <a:headEnd type="arrow" w="med" len="med"/>
+            <a:tailEnd type="arrow" w="med" len="med"/>
+          </a:ln>
+        </p:spPr>
+        <p:style>
+          <a:lnRef idx="1">
+            <a:schemeClr val="accent1"/>
+          </a:lnRef>
+          <a:fillRef idx="0">
+            <a:schemeClr val="accent1"/>
+          </a:fillRef>
+          <a:effectRef idx="0">
+            <a:schemeClr val="accent1"/>
+          </a:effectRef>
+          <a:fontRef idx="minor">
+            <a:schemeClr val="tx1"/>
+          </a:fontRef>
+        </p:style>
+      </p:cxnSp>
+      <p:sp>
+        <p:nvSpPr>
+          <p:cNvPr id="18" name="TextBox 17">
+            <a:extLst>
+              <a:ext uri="{FF2B5EF4-FFF2-40B4-BE49-F238E27FC236}">
+                <a16:creationId xmlns:a16="http://schemas.microsoft.com/office/drawing/2014/main" id="{84669EE0-4BA2-435A-9F05-ACD4C5D654A3}"/>
+              </a:ext>
+            </a:extLst>
+          </p:cNvPr>
+          <p:cNvSpPr txBox="1"/>
+          <p:nvPr/>
+        </p:nvSpPr>
+        <p:spPr>
+          <a:xfrm>
+            <a:off x="3603175" y="3320117"/>
+            <a:ext cx="1937650" cy="430887"/>
+          </a:xfrm>
+          <a:prstGeom prst="rect">
+            <a:avLst/>
+          </a:prstGeom>
+          <a:noFill/>
+        </p:spPr>
+        <p:txBody>
+          <a:bodyPr wrap="square" rtlCol="0" anchor="ctr">
+            <a:spAutoFit/>
+          </a:bodyPr>
+          <a:lstStyle/>
+          <a:p>
+            <a:pPr algn="ctr"/>
+            <a:r>
+              <a:rPr lang="en-US" altLang="ko-KR" sz="1100"/>
+              <a:t>HTTP/1.1, HTTP/2 </a:t>
+            </a:r>
+          </a:p>
+          <a:p>
+            <a:pPr algn="ctr"/>
+            <a:r>
+              <a:rPr lang="en-US" altLang="ko-KR" sz="1100"/>
+              <a:t>gRPC, TCP (with TLS)</a:t>
+            </a:r>
+            <a:endParaRPr lang="ko-KR" altLang="en-US" sz="1100"/>
+          </a:p>
+        </p:txBody>
+      </p:sp>
+      <p:cxnSp>
+        <p:nvCxnSpPr>
+          <p:cNvPr id="20" name="직선 화살표 연결선 19">
+            <a:extLst>
+              <a:ext uri="{FF2B5EF4-FFF2-40B4-BE49-F238E27FC236}">
+                <a16:creationId xmlns:a16="http://schemas.microsoft.com/office/drawing/2014/main" id="{FF296AC7-043E-4283-A0B2-C4601D195B9D}"/>
+              </a:ext>
+            </a:extLst>
+          </p:cNvPr>
+          <p:cNvCxnSpPr>
+            <a:cxnSpLocks/>
+            <a:stCxn id="11" idx="2"/>
+            <a:endCxn id="12" idx="0"/>
+          </p:cNvCxnSpPr>
+          <p:nvPr/>
+        </p:nvCxnSpPr>
+        <p:spPr>
+          <a:xfrm>
+            <a:off x="3068668" y="3503164"/>
+            <a:ext cx="0" cy="220713"/>
+          </a:xfrm>
+          <a:prstGeom prst="straightConnector1">
+            <a:avLst/>
+          </a:prstGeom>
+          <a:ln w="19050">
+            <a:solidFill>
+              <a:schemeClr val="tx1"/>
+            </a:solidFill>
+            <a:headEnd type="arrow" w="med" len="med"/>
+            <a:tailEnd type="arrow" w="med" len="med"/>
+          </a:ln>
+        </p:spPr>
+        <p:style>
+          <a:lnRef idx="1">
+            <a:schemeClr val="accent1"/>
+          </a:lnRef>
+          <a:fillRef idx="0">
+            <a:schemeClr val="accent1"/>
+          </a:fillRef>
+          <a:effectRef idx="0">
+            <a:schemeClr val="accent1"/>
+          </a:effectRef>
+          <a:fontRef idx="minor">
+            <a:schemeClr val="tx1"/>
+          </a:fontRef>
+        </p:style>
+      </p:cxnSp>
+      <p:cxnSp>
+        <p:nvCxnSpPr>
+          <p:cNvPr id="24" name="직선 화살표 연결선 23">
+            <a:extLst>
+              <a:ext uri="{FF2B5EF4-FFF2-40B4-BE49-F238E27FC236}">
+                <a16:creationId xmlns:a16="http://schemas.microsoft.com/office/drawing/2014/main" id="{79A52169-39C4-4BD1-8DE6-B4CE804C4B4E}"/>
+              </a:ext>
+            </a:extLst>
+          </p:cNvPr>
+          <p:cNvCxnSpPr>
+            <a:cxnSpLocks/>
+            <a:stCxn id="14" idx="2"/>
+            <a:endCxn id="15" idx="0"/>
+          </p:cNvCxnSpPr>
+          <p:nvPr/>
+        </p:nvCxnSpPr>
+        <p:spPr>
+          <a:xfrm>
+            <a:off x="6085196" y="3503164"/>
+            <a:ext cx="0" cy="220713"/>
+          </a:xfrm>
+          <a:prstGeom prst="straightConnector1">
+            <a:avLst/>
+          </a:prstGeom>
+          <a:ln w="19050">
+            <a:solidFill>
+              <a:schemeClr val="tx1"/>
+            </a:solidFill>
+            <a:headEnd type="arrow" w="med" len="med"/>
+            <a:tailEnd type="arrow" w="med" len="med"/>
+          </a:ln>
+        </p:spPr>
+        <p:style>
+          <a:lnRef idx="1">
+            <a:schemeClr val="accent1"/>
+          </a:lnRef>
+          <a:fillRef idx="0">
+            <a:schemeClr val="accent1"/>
+          </a:fillRef>
+          <a:effectRef idx="0">
+            <a:schemeClr val="accent1"/>
+          </a:effectRef>
+          <a:fontRef idx="minor">
+            <a:schemeClr val="tx1"/>
+          </a:fontRef>
+        </p:style>
+      </p:cxnSp>
+      <p:cxnSp>
+        <p:nvCxnSpPr>
+          <p:cNvPr id="26" name="직선 화살표 연결선 25">
+            <a:extLst>
+              <a:ext uri="{FF2B5EF4-FFF2-40B4-BE49-F238E27FC236}">
+                <a16:creationId xmlns:a16="http://schemas.microsoft.com/office/drawing/2014/main" id="{75E0FBB9-DFF7-4AD7-845D-42BB1D7A2F71}"/>
+              </a:ext>
+            </a:extLst>
+          </p:cNvPr>
+          <p:cNvCxnSpPr>
+            <a:cxnSpLocks/>
+          </p:cNvCxnSpPr>
+          <p:nvPr/>
+        </p:nvCxnSpPr>
+        <p:spPr>
+          <a:xfrm>
+            <a:off x="2915816" y="2831207"/>
+            <a:ext cx="0" cy="307491"/>
+          </a:xfrm>
+          <a:prstGeom prst="straightConnector1">
+            <a:avLst/>
+          </a:prstGeom>
+          <a:ln w="19050">
+            <a:solidFill>
+              <a:schemeClr val="tx1"/>
+            </a:solidFill>
+            <a:headEnd type="none" w="med" len="med"/>
+            <a:tailEnd type="arrow" w="med" len="med"/>
+          </a:ln>
+        </p:spPr>
+        <p:style>
+          <a:lnRef idx="1">
+            <a:schemeClr val="accent1"/>
+          </a:lnRef>
+          <a:fillRef idx="0">
+            <a:schemeClr val="accent1"/>
+          </a:fillRef>
+          <a:effectRef idx="0">
+            <a:schemeClr val="accent1"/>
+          </a:effectRef>
+          <a:fontRef idx="minor">
+            <a:schemeClr val="tx1"/>
+          </a:fontRef>
+        </p:style>
+      </p:cxnSp>
+      <p:sp>
+        <p:nvSpPr>
+          <p:cNvPr id="48" name="TextBox 47">
+            <a:extLst>
+              <a:ext uri="{FF2B5EF4-FFF2-40B4-BE49-F238E27FC236}">
+                <a16:creationId xmlns:a16="http://schemas.microsoft.com/office/drawing/2014/main" id="{32A6DA01-6CF3-428C-B318-828BF9D4A40C}"/>
+              </a:ext>
+            </a:extLst>
+          </p:cNvPr>
+          <p:cNvSpPr txBox="1"/>
+          <p:nvPr/>
+        </p:nvSpPr>
+        <p:spPr>
+          <a:xfrm>
+            <a:off x="2714166" y="2283718"/>
+            <a:ext cx="1857834" cy="430887"/>
+          </a:xfrm>
+          <a:prstGeom prst="rect">
+            <a:avLst/>
+          </a:prstGeom>
+          <a:noFill/>
+        </p:spPr>
+        <p:txBody>
+          <a:bodyPr wrap="square" rtlCol="0" anchor="ctr">
+            <a:spAutoFit/>
+          </a:bodyPr>
+          <a:lstStyle/>
+          <a:p>
+            <a:pPr algn="ctr"/>
+            <a:r>
+              <a:rPr lang="en-US" altLang="ko-KR" sz="1100"/>
+              <a:t>Service Info, Routing Info,</a:t>
+            </a:r>
+          </a:p>
+          <a:p>
+            <a:pPr algn="ctr"/>
+            <a:r>
+              <a:rPr lang="en-US" altLang="ko-KR" sz="1100"/>
+              <a:t>Policy, TLS Cert</a:t>
+            </a:r>
+            <a:endParaRPr lang="ko-KR" altLang="en-US" sz="1100"/>
+          </a:p>
+        </p:txBody>
+      </p:sp>
+      <p:sp>
+        <p:nvSpPr>
+          <p:cNvPr id="33" name="사각형: 둥근 모서리 32">
+            <a:extLst>
+              <a:ext uri="{FF2B5EF4-FFF2-40B4-BE49-F238E27FC236}">
+                <a16:creationId xmlns:a16="http://schemas.microsoft.com/office/drawing/2014/main" id="{D31B9ED0-5707-4315-A0C0-10C2C82C8609}"/>
+              </a:ext>
+            </a:extLst>
+          </p:cNvPr>
+          <p:cNvSpPr/>
+          <p:nvPr/>
+        </p:nvSpPr>
+        <p:spPr>
+          <a:xfrm>
+            <a:off x="7301211" y="1662399"/>
+            <a:ext cx="1109152" cy="335861"/>
+          </a:xfrm>
+          <a:prstGeom prst="roundRect">
+            <a:avLst/>
+          </a:prstGeom>
+        </p:spPr>
+        <p:style>
+          <a:lnRef idx="2">
+            <a:schemeClr val="dk1"/>
+          </a:lnRef>
+          <a:fillRef idx="1">
+            <a:schemeClr val="lt1"/>
+          </a:fillRef>
+          <a:effectRef idx="0">
+            <a:schemeClr val="dk1"/>
+          </a:effectRef>
+          <a:fontRef idx="minor">
+            <a:schemeClr val="dk1"/>
+          </a:fontRef>
+        </p:style>
+        <p:txBody>
+          <a:bodyPr rtlCol="0" anchor="ctr"/>
+          <a:lstStyle/>
+          <a:p>
+            <a:pPr algn="ctr"/>
+            <a:r>
+              <a:rPr lang="en-US" altLang="ko-KR" sz="1100"/>
+              <a:t>Prometheus</a:t>
+            </a:r>
+          </a:p>
+        </p:txBody>
+      </p:sp>
+      <p:sp>
+        <p:nvSpPr>
+          <p:cNvPr id="34" name="사각형: 둥근 모서리 33">
+            <a:extLst>
+              <a:ext uri="{FF2B5EF4-FFF2-40B4-BE49-F238E27FC236}">
+                <a16:creationId xmlns:a16="http://schemas.microsoft.com/office/drawing/2014/main" id="{122B5015-D6F5-4308-A827-7354EDAC721A}"/>
+              </a:ext>
+            </a:extLst>
+          </p:cNvPr>
+          <p:cNvSpPr/>
+          <p:nvPr/>
+        </p:nvSpPr>
+        <p:spPr>
+          <a:xfrm>
+            <a:off x="7301211" y="2116510"/>
+            <a:ext cx="1109152" cy="335861"/>
+          </a:xfrm>
+          <a:prstGeom prst="roundRect">
+            <a:avLst/>
+          </a:prstGeom>
+        </p:spPr>
+        <p:style>
+          <a:lnRef idx="2">
+            <a:schemeClr val="dk1"/>
+          </a:lnRef>
+          <a:fillRef idx="1">
+            <a:schemeClr val="lt1"/>
+          </a:fillRef>
+          <a:effectRef idx="0">
+            <a:schemeClr val="dk1"/>
+          </a:effectRef>
+          <a:fontRef idx="minor">
+            <a:schemeClr val="dk1"/>
+          </a:fontRef>
+        </p:style>
+        <p:txBody>
+          <a:bodyPr rtlCol="0" anchor="ctr"/>
+          <a:lstStyle/>
+          <a:p>
+            <a:pPr algn="ctr"/>
+            <a:r>
+              <a:rPr lang="en-US" altLang="ko-KR" sz="1100"/>
+              <a:t>Jaeger</a:t>
+            </a:r>
+          </a:p>
+        </p:txBody>
+      </p:sp>
+      <p:cxnSp>
+        <p:nvCxnSpPr>
+          <p:cNvPr id="52" name="직선 화살표 연결선 51">
+            <a:extLst>
+              <a:ext uri="{FF2B5EF4-FFF2-40B4-BE49-F238E27FC236}">
+                <a16:creationId xmlns:a16="http://schemas.microsoft.com/office/drawing/2014/main" id="{C3C38F6B-CC0E-4ABC-99C3-34E161F36BF0}"/>
+              </a:ext>
+            </a:extLst>
+          </p:cNvPr>
+          <p:cNvCxnSpPr>
+            <a:cxnSpLocks/>
+          </p:cNvCxnSpPr>
+          <p:nvPr/>
+        </p:nvCxnSpPr>
+        <p:spPr>
+          <a:xfrm>
+            <a:off x="2915816" y="2831207"/>
+            <a:ext cx="3016528" cy="0"/>
+          </a:xfrm>
+          <a:prstGeom prst="straightConnector1">
+            <a:avLst/>
+          </a:prstGeom>
+          <a:ln w="19050">
+            <a:solidFill>
+              <a:schemeClr val="tx1"/>
+            </a:solidFill>
+            <a:headEnd type="none" w="med" len="med"/>
+            <a:tailEnd type="none" w="med" len="med"/>
+          </a:ln>
+        </p:spPr>
+        <p:style>
+          <a:lnRef idx="1">
+            <a:schemeClr val="accent1"/>
+          </a:lnRef>
+          <a:fillRef idx="0">
+            <a:schemeClr val="accent1"/>
+          </a:fillRef>
+          <a:effectRef idx="0">
+            <a:schemeClr val="accent1"/>
+          </a:effectRef>
+          <a:fontRef idx="minor">
+            <a:schemeClr val="tx1"/>
+          </a:fontRef>
+        </p:style>
+      </p:cxnSp>
+      <p:cxnSp>
+        <p:nvCxnSpPr>
+          <p:cNvPr id="54" name="직선 화살표 연결선 53">
+            <a:extLst>
+              <a:ext uri="{FF2B5EF4-FFF2-40B4-BE49-F238E27FC236}">
+                <a16:creationId xmlns:a16="http://schemas.microsoft.com/office/drawing/2014/main" id="{B003A5A6-9A2C-41E8-9248-EF946F62D16D}"/>
+              </a:ext>
+            </a:extLst>
+          </p:cNvPr>
+          <p:cNvCxnSpPr>
+            <a:cxnSpLocks/>
+          </p:cNvCxnSpPr>
+          <p:nvPr/>
+        </p:nvCxnSpPr>
+        <p:spPr>
+          <a:xfrm>
+            <a:off x="5932344" y="2831207"/>
+            <a:ext cx="0" cy="307491"/>
+          </a:xfrm>
+          <a:prstGeom prst="straightConnector1">
+            <a:avLst/>
+          </a:prstGeom>
+          <a:ln w="19050">
+            <a:solidFill>
+              <a:schemeClr val="tx1"/>
+            </a:solidFill>
+            <a:headEnd type="none" w="med" len="med"/>
+            <a:tailEnd type="arrow" w="med" len="med"/>
+          </a:ln>
+        </p:spPr>
+        <p:style>
+          <a:lnRef idx="1">
+            <a:schemeClr val="accent1"/>
+          </a:lnRef>
+          <a:fillRef idx="0">
+            <a:schemeClr val="accent1"/>
+          </a:fillRef>
+          <a:effectRef idx="0">
+            <a:schemeClr val="accent1"/>
+          </a:effectRef>
+          <a:fontRef idx="minor">
+            <a:schemeClr val="tx1"/>
+          </a:fontRef>
+        </p:style>
+      </p:cxnSp>
+      <p:cxnSp>
+        <p:nvCxnSpPr>
+          <p:cNvPr id="55" name="직선 화살표 연결선 54">
+            <a:extLst>
+              <a:ext uri="{FF2B5EF4-FFF2-40B4-BE49-F238E27FC236}">
+                <a16:creationId xmlns:a16="http://schemas.microsoft.com/office/drawing/2014/main" id="{4C2A7791-3E73-4BA5-B975-3641C24E2184}"/>
+              </a:ext>
+            </a:extLst>
+          </p:cNvPr>
+          <p:cNvCxnSpPr>
+            <a:cxnSpLocks/>
+            <a:stCxn id="43" idx="2"/>
+          </p:cNvCxnSpPr>
+          <p:nvPr/>
+        </p:nvCxnSpPr>
+        <p:spPr>
+          <a:xfrm>
+            <a:off x="4572000" y="2283718"/>
+            <a:ext cx="0" cy="547489"/>
+          </a:xfrm>
+          <a:prstGeom prst="straightConnector1">
+            <a:avLst/>
+          </a:prstGeom>
+          <a:ln w="19050">
+            <a:solidFill>
+              <a:schemeClr val="tx1"/>
+            </a:solidFill>
+            <a:headEnd type="none" w="med" len="med"/>
+            <a:tailEnd type="none" w="med" len="med"/>
+          </a:ln>
+        </p:spPr>
+        <p:style>
+          <a:lnRef idx="1">
+            <a:schemeClr val="accent1"/>
+          </a:lnRef>
+          <a:fillRef idx="0">
+            <a:schemeClr val="accent1"/>
+          </a:fillRef>
+          <a:effectRef idx="0">
+            <a:schemeClr val="accent1"/>
+          </a:effectRef>
+          <a:fontRef idx="minor">
+            <a:schemeClr val="tx1"/>
+          </a:fontRef>
+        </p:style>
+      </p:cxnSp>
+      <p:cxnSp>
+        <p:nvCxnSpPr>
+          <p:cNvPr id="64" name="직선 화살표 연결선 63">
+            <a:extLst>
+              <a:ext uri="{FF2B5EF4-FFF2-40B4-BE49-F238E27FC236}">
+                <a16:creationId xmlns:a16="http://schemas.microsoft.com/office/drawing/2014/main" id="{AA189B06-88A5-45AC-A6FF-991688BB9D65}"/>
+              </a:ext>
+            </a:extLst>
+          </p:cNvPr>
+          <p:cNvCxnSpPr>
+            <a:cxnSpLocks/>
+          </p:cNvCxnSpPr>
+          <p:nvPr/>
+        </p:nvCxnSpPr>
+        <p:spPr>
+          <a:xfrm>
+            <a:off x="3211656" y="2912331"/>
+            <a:ext cx="0" cy="226367"/>
+          </a:xfrm>
+          <a:prstGeom prst="straightConnector1">
+            <a:avLst/>
+          </a:prstGeom>
+          <a:ln w="19050">
+            <a:solidFill>
+              <a:schemeClr val="tx1"/>
+            </a:solidFill>
+            <a:headEnd type="none" w="med" len="med"/>
+            <a:tailEnd type="none" w="med" len="med"/>
+          </a:ln>
+        </p:spPr>
+        <p:style>
+          <a:lnRef idx="1">
+            <a:schemeClr val="accent1"/>
+          </a:lnRef>
+          <a:fillRef idx="0">
+            <a:schemeClr val="accent1"/>
+          </a:fillRef>
+          <a:effectRef idx="0">
+            <a:schemeClr val="accent1"/>
+          </a:effectRef>
+          <a:fontRef idx="minor">
+            <a:schemeClr val="tx1"/>
+          </a:fontRef>
+        </p:style>
+      </p:cxnSp>
+      <p:cxnSp>
+        <p:nvCxnSpPr>
+          <p:cNvPr id="65" name="직선 화살표 연결선 64">
+            <a:extLst>
+              <a:ext uri="{FF2B5EF4-FFF2-40B4-BE49-F238E27FC236}">
+                <a16:creationId xmlns:a16="http://schemas.microsoft.com/office/drawing/2014/main" id="{B344CF32-FDB1-4CAE-B9E3-8A18D161FE6B}"/>
+              </a:ext>
+            </a:extLst>
+          </p:cNvPr>
+          <p:cNvCxnSpPr>
+            <a:cxnSpLocks/>
+          </p:cNvCxnSpPr>
+          <p:nvPr/>
+        </p:nvCxnSpPr>
+        <p:spPr>
+          <a:xfrm>
+            <a:off x="3211656" y="2912331"/>
+            <a:ext cx="3952632" cy="0"/>
+          </a:xfrm>
+          <a:prstGeom prst="straightConnector1">
+            <a:avLst/>
+          </a:prstGeom>
+          <a:ln w="19050">
+            <a:solidFill>
+              <a:schemeClr val="tx1"/>
+            </a:solidFill>
+            <a:headEnd type="none" w="med" len="med"/>
+            <a:tailEnd type="none" w="med" len="med"/>
+          </a:ln>
+        </p:spPr>
+        <p:style>
+          <a:lnRef idx="1">
+            <a:schemeClr val="accent1"/>
+          </a:lnRef>
+          <a:fillRef idx="0">
+            <a:schemeClr val="accent1"/>
+          </a:fillRef>
+          <a:effectRef idx="0">
+            <a:schemeClr val="accent1"/>
+          </a:effectRef>
+          <a:fontRef idx="minor">
+            <a:schemeClr val="tx1"/>
+          </a:fontRef>
+        </p:style>
+      </p:cxnSp>
+      <p:cxnSp>
+        <p:nvCxnSpPr>
+          <p:cNvPr id="66" name="직선 화살표 연결선 65">
+            <a:extLst>
+              <a:ext uri="{FF2B5EF4-FFF2-40B4-BE49-F238E27FC236}">
+                <a16:creationId xmlns:a16="http://schemas.microsoft.com/office/drawing/2014/main" id="{6EDFED05-A4D1-4E9D-BBD3-AFEA94FE9BD6}"/>
+              </a:ext>
+            </a:extLst>
+          </p:cNvPr>
+          <p:cNvCxnSpPr>
+            <a:cxnSpLocks/>
+          </p:cNvCxnSpPr>
+          <p:nvPr/>
+        </p:nvCxnSpPr>
+        <p:spPr>
+          <a:xfrm>
+            <a:off x="6228184" y="2912331"/>
+            <a:ext cx="0" cy="226367"/>
+          </a:xfrm>
+          <a:prstGeom prst="straightConnector1">
+            <a:avLst/>
+          </a:prstGeom>
+          <a:ln w="19050">
+            <a:solidFill>
+              <a:schemeClr val="tx1"/>
+            </a:solidFill>
+            <a:headEnd type="none" w="med" len="med"/>
+            <a:tailEnd type="none" w="med" len="med"/>
+          </a:ln>
+        </p:spPr>
+        <p:style>
+          <a:lnRef idx="1">
+            <a:schemeClr val="accent1"/>
+          </a:lnRef>
+          <a:fillRef idx="0">
+            <a:schemeClr val="accent1"/>
+          </a:fillRef>
+          <a:effectRef idx="0">
+            <a:schemeClr val="accent1"/>
+          </a:effectRef>
+          <a:fontRef idx="minor">
+            <a:schemeClr val="tx1"/>
+          </a:fontRef>
+        </p:style>
+      </p:cxnSp>
+      <p:cxnSp>
+        <p:nvCxnSpPr>
+          <p:cNvPr id="75" name="직선 화살표 연결선 74">
+            <a:extLst>
+              <a:ext uri="{FF2B5EF4-FFF2-40B4-BE49-F238E27FC236}">
+                <a16:creationId xmlns:a16="http://schemas.microsoft.com/office/drawing/2014/main" id="{8F8E320A-1CD5-4BD9-9E65-AEA15CDC739C}"/>
+              </a:ext>
+            </a:extLst>
+          </p:cNvPr>
+          <p:cNvCxnSpPr>
+            <a:cxnSpLocks/>
+          </p:cNvCxnSpPr>
+          <p:nvPr/>
+        </p:nvCxnSpPr>
+        <p:spPr>
+          <a:xfrm>
+            <a:off x="7164288" y="1829983"/>
+            <a:ext cx="0" cy="1091038"/>
+          </a:xfrm>
+          <a:prstGeom prst="straightConnector1">
+            <a:avLst/>
+          </a:prstGeom>
+          <a:ln w="19050">
+            <a:solidFill>
+              <a:schemeClr val="tx1"/>
+            </a:solidFill>
+            <a:headEnd type="none" w="med" len="med"/>
+            <a:tailEnd type="none" w="med" len="med"/>
+          </a:ln>
+        </p:spPr>
+        <p:style>
+          <a:lnRef idx="1">
+            <a:schemeClr val="accent1"/>
+          </a:lnRef>
+          <a:fillRef idx="0">
+            <a:schemeClr val="accent1"/>
+          </a:fillRef>
+          <a:effectRef idx="0">
+            <a:schemeClr val="accent1"/>
+          </a:effectRef>
+          <a:fontRef idx="minor">
+            <a:schemeClr val="tx1"/>
+          </a:fontRef>
+        </p:style>
+      </p:cxnSp>
+      <p:cxnSp>
+        <p:nvCxnSpPr>
+          <p:cNvPr id="77" name="직선 화살표 연결선 76">
+            <a:extLst>
+              <a:ext uri="{FF2B5EF4-FFF2-40B4-BE49-F238E27FC236}">
+                <a16:creationId xmlns:a16="http://schemas.microsoft.com/office/drawing/2014/main" id="{EBB89324-0596-4834-AE0A-66A992DE2C56}"/>
+              </a:ext>
+            </a:extLst>
+          </p:cNvPr>
+          <p:cNvCxnSpPr>
+            <a:cxnSpLocks/>
+            <a:endCxn id="34" idx="1"/>
+          </p:cNvCxnSpPr>
+          <p:nvPr/>
+        </p:nvCxnSpPr>
+        <p:spPr>
+          <a:xfrm>
+            <a:off x="7164288" y="2283718"/>
+            <a:ext cx="136923" cy="723"/>
+          </a:xfrm>
+          <a:prstGeom prst="straightConnector1">
+            <a:avLst/>
+          </a:prstGeom>
+          <a:ln w="19050">
+            <a:solidFill>
+              <a:schemeClr val="tx1"/>
+            </a:solidFill>
+            <a:headEnd type="none" w="med" len="med"/>
+            <a:tailEnd type="arrow" w="med" len="med"/>
+          </a:ln>
+        </p:spPr>
+        <p:style>
+          <a:lnRef idx="1">
+            <a:schemeClr val="accent1"/>
+          </a:lnRef>
+          <a:fillRef idx="0">
+            <a:schemeClr val="accent1"/>
+          </a:fillRef>
+          <a:effectRef idx="0">
+            <a:schemeClr val="accent1"/>
+          </a:effectRef>
+          <a:fontRef idx="minor">
+            <a:schemeClr val="tx1"/>
+          </a:fontRef>
+        </p:style>
+      </p:cxnSp>
+      <p:cxnSp>
+        <p:nvCxnSpPr>
+          <p:cNvPr id="80" name="직선 화살표 연결선 79">
+            <a:extLst>
+              <a:ext uri="{FF2B5EF4-FFF2-40B4-BE49-F238E27FC236}">
+                <a16:creationId xmlns:a16="http://schemas.microsoft.com/office/drawing/2014/main" id="{26C9B6BE-ABE6-4F16-A07A-DC2A453477F5}"/>
+              </a:ext>
+            </a:extLst>
+          </p:cNvPr>
+          <p:cNvCxnSpPr>
+            <a:cxnSpLocks/>
+            <a:endCxn id="33" idx="1"/>
+          </p:cNvCxnSpPr>
+          <p:nvPr/>
+        </p:nvCxnSpPr>
+        <p:spPr>
+          <a:xfrm>
+            <a:off x="7164288" y="1829983"/>
+            <a:ext cx="136923" cy="347"/>
+          </a:xfrm>
+          <a:prstGeom prst="straightConnector1">
+            <a:avLst/>
+          </a:prstGeom>
+          <a:ln w="19050">
+            <a:solidFill>
+              <a:schemeClr val="tx1"/>
+            </a:solidFill>
+            <a:headEnd type="none" w="med" len="med"/>
+            <a:tailEnd type="arrow" w="med" len="med"/>
+          </a:ln>
+        </p:spPr>
+        <p:style>
+          <a:lnRef idx="1">
+            <a:schemeClr val="accent1"/>
+          </a:lnRef>
+          <a:fillRef idx="0">
+            <a:schemeClr val="accent1"/>
+          </a:fillRef>
+          <a:effectRef idx="0">
+            <a:schemeClr val="accent1"/>
+          </a:effectRef>
+          <a:fontRef idx="minor">
+            <a:schemeClr val="tx1"/>
+          </a:fontRef>
+        </p:style>
+      </p:cxnSp>
+      <p:sp>
+        <p:nvSpPr>
+          <p:cNvPr id="84" name="TextBox 83">
+            <a:extLst>
+              <a:ext uri="{FF2B5EF4-FFF2-40B4-BE49-F238E27FC236}">
+                <a16:creationId xmlns:a16="http://schemas.microsoft.com/office/drawing/2014/main" id="{F4696E29-49D9-4215-8CBB-4BF96BEE1734}"/>
+              </a:ext>
+            </a:extLst>
+          </p:cNvPr>
+          <p:cNvSpPr txBox="1"/>
+          <p:nvPr/>
+        </p:nvSpPr>
+        <p:spPr>
+          <a:xfrm>
+            <a:off x="6948264" y="2729921"/>
+            <a:ext cx="928296" cy="261610"/>
+          </a:xfrm>
+          <a:prstGeom prst="rect">
+            <a:avLst/>
+          </a:prstGeom>
+          <a:noFill/>
+        </p:spPr>
+        <p:txBody>
+          <a:bodyPr wrap="square" rtlCol="0" anchor="ctr">
+            <a:spAutoFit/>
+          </a:bodyPr>
+          <a:lstStyle/>
+          <a:p>
+            <a:pPr algn="ctr"/>
+            <a:r>
+              <a:rPr lang="en-US" altLang="ko-KR" sz="1100"/>
+              <a:t>Metric</a:t>
+            </a:r>
+            <a:endParaRPr lang="ko-KR" altLang="en-US" sz="1100"/>
           </a:p>
         </p:txBody>
       </p:sp>
     </p:spTree>
     <p:extLst>
       <p:ext uri="{BB962C8B-B14F-4D97-AF65-F5344CB8AC3E}">
-        <p14:creationId xmlns:p14="http://schemas.microsoft.com/office/powerpoint/2010/main" val="1908334390"/>
+        <p14:creationId xmlns:p14="http://schemas.microsoft.com/office/powerpoint/2010/main" val="684850519"/>
       </p:ext>
     </p:extLst>
   </p:cSld>
@@ -5388,6 +6907,86 @@
       </p:grpSpPr>
       <p:sp>
         <p:nvSpPr>
+          <p:cNvPr id="2" name="제목 1">
+            <a:extLst>
+              <a:ext uri="{FF2B5EF4-FFF2-40B4-BE49-F238E27FC236}">
+                <a16:creationId xmlns:a16="http://schemas.microsoft.com/office/drawing/2014/main" id="{8FCDAF6F-36A8-4218-B6A6-DDEC7E90E757}"/>
+              </a:ext>
+            </a:extLst>
+          </p:cNvPr>
+          <p:cNvSpPr>
+            <a:spLocks noGrp="1"/>
+          </p:cNvSpPr>
+          <p:nvPr>
+            <p:ph type="title"/>
+          </p:nvPr>
+        </p:nvSpPr>
+        <p:spPr/>
+        <p:txBody>
+          <a:bodyPr/>
+          <a:lstStyle/>
+          <a:p>
+            <a:endParaRPr lang="ko-KR" altLang="en-US"/>
+          </a:p>
+        </p:txBody>
+      </p:sp>
+      <p:sp>
+        <p:nvSpPr>
+          <p:cNvPr id="3" name="내용 개체 틀 2">
+            <a:extLst>
+              <a:ext uri="{FF2B5EF4-FFF2-40B4-BE49-F238E27FC236}">
+                <a16:creationId xmlns:a16="http://schemas.microsoft.com/office/drawing/2014/main" id="{23DAEA3F-4B24-4A62-8C09-1B4372D308AE}"/>
+              </a:ext>
+            </a:extLst>
+          </p:cNvPr>
+          <p:cNvSpPr>
+            <a:spLocks noGrp="1"/>
+          </p:cNvSpPr>
+          <p:nvPr>
+            <p:ph idx="1"/>
+          </p:nvPr>
+        </p:nvSpPr>
+        <p:spPr/>
+        <p:txBody>
+          <a:bodyPr/>
+          <a:lstStyle/>
+          <a:p>
+            <a:endParaRPr lang="ko-KR" altLang="en-US"/>
+          </a:p>
+        </p:txBody>
+      </p:sp>
+    </p:spTree>
+    <p:extLst>
+      <p:ext uri="{BB962C8B-B14F-4D97-AF65-F5344CB8AC3E}">
+        <p14:creationId xmlns:p14="http://schemas.microsoft.com/office/powerpoint/2010/main" val="1908334390"/>
+      </p:ext>
+    </p:extLst>
+  </p:cSld>
+  <p:clrMapOvr>
+    <a:masterClrMapping/>
+  </p:clrMapOvr>
+</p:sld>
+</file>
+
+<file path=ppt/slides/slide4.xml><?xml version="1.0" encoding="utf-8"?>
+<p:sld xmlns:a="http://schemas.openxmlformats.org/drawingml/2006/main" xmlns:r="http://schemas.openxmlformats.org/officeDocument/2006/relationships" xmlns:p="http://schemas.openxmlformats.org/presentationml/2006/main">
+  <p:cSld>
+    <p:spTree>
+      <p:nvGrpSpPr>
+        <p:cNvPr id="1" name=""/>
+        <p:cNvGrpSpPr/>
+        <p:nvPr/>
+      </p:nvGrpSpPr>
+      <p:grpSpPr>
+        <a:xfrm>
+          <a:off x="0" y="0"/>
+          <a:ext cx="0" cy="0"/>
+          <a:chOff x="0" y="0"/>
+          <a:chExt cx="0" cy="0"/>
+        </a:xfrm>
+      </p:grpSpPr>
+      <p:sp>
+        <p:nvSpPr>
           <p:cNvPr id="68" name="직사각형 67">
             <a:extLst>
               <a:ext uri="{FF2B5EF4-FFF2-40B4-BE49-F238E27FC236}">
@@ -6240,7 +7839,7 @@
 </p:sld>
 </file>
 
-<file path=ppt/slides/slide4.xml><?xml version="1.0" encoding="utf-8"?>
+<file path=ppt/slides/slide5.xml><?xml version="1.0" encoding="utf-8"?>
 <p:sld xmlns:a="http://schemas.openxmlformats.org/drawingml/2006/main" xmlns:r="http://schemas.openxmlformats.org/officeDocument/2006/relationships" xmlns:p="http://schemas.openxmlformats.org/presentationml/2006/main">
   <p:cSld>
     <p:spTree>
